--- a/hsj/data/테스트.pptx
+++ b/hsj/data/테스트.pptx
@@ -5,41 +5,54 @@
     <p:sldMasterId id="2147483660" r:id="rId1"/>
   </p:sldMasterIdLst>
   <p:notesMasterIdLst>
-    <p:notesMasterId r:id="rId6"/>
+    <p:notesMasterId r:id="rId19"/>
   </p:notesMasterIdLst>
   <p:sldIdLst>
     <p:sldId id="293" r:id="rId2"/>
-    <p:sldId id="295" r:id="rId3"/>
-    <p:sldId id="296" r:id="rId4"/>
-    <p:sldId id="297" r:id="rId5"/>
+    <p:sldId id="301" r:id="rId3"/>
+    <p:sldId id="299" r:id="rId4"/>
+    <p:sldId id="302" r:id="rId5"/>
+    <p:sldId id="300" r:id="rId6"/>
+    <p:sldId id="303" r:id="rId7"/>
+    <p:sldId id="298" r:id="rId8"/>
+    <p:sldId id="295" r:id="rId9"/>
+    <p:sldId id="296" r:id="rId10"/>
+    <p:sldId id="297" r:id="rId11"/>
+    <p:sldId id="304" r:id="rId12"/>
+    <p:sldId id="305" r:id="rId13"/>
+    <p:sldId id="306" r:id="rId14"/>
+    <p:sldId id="307" r:id="rId15"/>
+    <p:sldId id="308" r:id="rId16"/>
+    <p:sldId id="309" r:id="rId17"/>
+    <p:sldId id="310" r:id="rId18"/>
   </p:sldIdLst>
   <p:sldSz cx="9144000" cy="5143500" type="screen16x9"/>
   <p:notesSz cx="6858000" cy="9144000"/>
   <p:embeddedFontLst>
     <p:embeddedFont>
       <p:font typeface="HY헤드라인M" pitchFamily="18" charset="-127"/>
-      <p:regular r:id="rId7"/>
+      <p:regular r:id="rId20"/>
     </p:embeddedFont>
     <p:embeddedFont>
       <p:font typeface="Fira Sans Extra Condensed" charset="0"/>
-      <p:regular r:id="rId8"/>
-      <p:bold r:id="rId9"/>
-      <p:italic r:id="rId10"/>
-      <p:boldItalic r:id="rId11"/>
+      <p:regular r:id="rId21"/>
+      <p:bold r:id="rId22"/>
+      <p:italic r:id="rId23"/>
+      <p:boldItalic r:id="rId24"/>
     </p:embeddedFont>
     <p:embeddedFont>
       <p:font typeface="Fira Sans Extra Condensed SemiBold" charset="0"/>
-      <p:regular r:id="rId12"/>
-      <p:bold r:id="rId13"/>
-      <p:italic r:id="rId14"/>
-      <p:boldItalic r:id="rId15"/>
+      <p:regular r:id="rId25"/>
+      <p:bold r:id="rId26"/>
+      <p:italic r:id="rId27"/>
+      <p:boldItalic r:id="rId28"/>
     </p:embeddedFont>
     <p:embeddedFont>
       <p:font typeface="Roboto" charset="0"/>
-      <p:regular r:id="rId16"/>
-      <p:bold r:id="rId17"/>
-      <p:italic r:id="rId18"/>
-      <p:boldItalic r:id="rId19"/>
+      <p:regular r:id="rId29"/>
+      <p:bold r:id="rId30"/>
+      <p:italic r:id="rId31"/>
+      <p:boldItalic r:id="rId32"/>
     </p:embeddedFont>
   </p:embeddedFontLst>
   <p:defaultTextStyle>
@@ -819,6 +832,734 @@
 </p:notes>
 </file>
 
+<file path=ppt/notesSlides/notesSlide10.xml><?xml version="1.0" encoding="utf-8"?>
+<p:notes xmlns:a="http://schemas.openxmlformats.org/drawingml/2006/main" xmlns:r="http://schemas.openxmlformats.org/officeDocument/2006/relationships" xmlns:p="http://schemas.openxmlformats.org/presentationml/2006/main" showMasterSp="0" showMasterPhAnim="0">
+  <p:cSld>
+    <p:spTree>
+      <p:nvGrpSpPr>
+        <p:cNvPr id="1" name="Shape 93"/>
+        <p:cNvGrpSpPr/>
+        <p:nvPr/>
+      </p:nvGrpSpPr>
+      <p:grpSpPr>
+        <a:xfrm>
+          <a:off x="0" y="0"/>
+          <a:ext cx="0" cy="0"/>
+          <a:chOff x="0" y="0"/>
+          <a:chExt cx="0" cy="0"/>
+        </a:xfrm>
+      </p:grpSpPr>
+      <p:sp>
+        <p:nvSpPr>
+          <p:cNvPr id="94" name="Google Shape;94;g9c73459845_0_175:notes"/>
+          <p:cNvSpPr>
+            <a:spLocks noGrp="1" noRot="1" noChangeAspect="1"/>
+          </p:cNvSpPr>
+          <p:nvPr>
+            <p:ph type="sldImg" idx="2"/>
+          </p:nvPr>
+        </p:nvSpPr>
+        <p:spPr>
+          <a:xfrm>
+            <a:off x="381000" y="685800"/>
+            <a:ext cx="6096000" cy="3429000"/>
+          </a:xfrm>
+          <a:custGeom>
+            <a:avLst/>
+            <a:gdLst/>
+            <a:ahLst/>
+            <a:cxnLst/>
+            <a:rect l="l" t="t" r="r" b="b"/>
+            <a:pathLst>
+              <a:path w="120000" h="120000" extrusionOk="0">
+                <a:moveTo>
+                  <a:pt x="0" y="0"/>
+                </a:moveTo>
+                <a:lnTo>
+                  <a:pt x="120000" y="0"/>
+                </a:lnTo>
+                <a:lnTo>
+                  <a:pt x="120000" y="120000"/>
+                </a:lnTo>
+                <a:lnTo>
+                  <a:pt x="0" y="120000"/>
+                </a:lnTo>
+                <a:close/>
+              </a:path>
+            </a:pathLst>
+          </a:custGeom>
+        </p:spPr>
+      </p:sp>
+      <p:sp>
+        <p:nvSpPr>
+          <p:cNvPr id="95" name="Google Shape;95;g9c73459845_0_175:notes"/>
+          <p:cNvSpPr txBox="1">
+            <a:spLocks noGrp="1"/>
+          </p:cNvSpPr>
+          <p:nvPr>
+            <p:ph type="body" idx="1"/>
+          </p:nvPr>
+        </p:nvSpPr>
+        <p:spPr>
+          <a:xfrm>
+            <a:off x="685800" y="4343400"/>
+            <a:ext cx="5486400" cy="4114800"/>
+          </a:xfrm>
+          <a:prstGeom prst="rect">
+            <a:avLst/>
+          </a:prstGeom>
+        </p:spPr>
+        <p:txBody>
+          <a:bodyPr spcFirstLastPara="1" wrap="square" lIns="91425" tIns="91425" rIns="91425" bIns="91425" anchor="t" anchorCtr="0">
+            <a:noAutofit/>
+          </a:bodyPr>
+          <a:lstStyle/>
+          <a:p>
+            <a:pPr marL="0" lvl="0" indent="0" algn="l" rtl="0">
+              <a:spcBef>
+                <a:spcPts val="0"/>
+              </a:spcBef>
+              <a:spcAft>
+                <a:spcPts val="0"/>
+              </a:spcAft>
+              <a:buNone/>
+            </a:pPr>
+            <a:endParaRPr/>
+          </a:p>
+        </p:txBody>
+      </p:sp>
+    </p:spTree>
+  </p:cSld>
+  <p:clrMapOvr>
+    <a:masterClrMapping/>
+  </p:clrMapOvr>
+</p:notes>
+</file>
+
+<file path=ppt/notesSlides/notesSlide11.xml><?xml version="1.0" encoding="utf-8"?>
+<p:notes xmlns:a="http://schemas.openxmlformats.org/drawingml/2006/main" xmlns:r="http://schemas.openxmlformats.org/officeDocument/2006/relationships" xmlns:p="http://schemas.openxmlformats.org/presentationml/2006/main" showMasterSp="0" showMasterPhAnim="0">
+  <p:cSld>
+    <p:spTree>
+      <p:nvGrpSpPr>
+        <p:cNvPr id="1" name="Shape 93"/>
+        <p:cNvGrpSpPr/>
+        <p:nvPr/>
+      </p:nvGrpSpPr>
+      <p:grpSpPr>
+        <a:xfrm>
+          <a:off x="0" y="0"/>
+          <a:ext cx="0" cy="0"/>
+          <a:chOff x="0" y="0"/>
+          <a:chExt cx="0" cy="0"/>
+        </a:xfrm>
+      </p:grpSpPr>
+      <p:sp>
+        <p:nvSpPr>
+          <p:cNvPr id="94" name="Google Shape;94;g9c73459845_0_175:notes"/>
+          <p:cNvSpPr>
+            <a:spLocks noGrp="1" noRot="1" noChangeAspect="1"/>
+          </p:cNvSpPr>
+          <p:nvPr>
+            <p:ph type="sldImg" idx="2"/>
+          </p:nvPr>
+        </p:nvSpPr>
+        <p:spPr>
+          <a:xfrm>
+            <a:off x="381000" y="685800"/>
+            <a:ext cx="6096000" cy="3429000"/>
+          </a:xfrm>
+          <a:custGeom>
+            <a:avLst/>
+            <a:gdLst/>
+            <a:ahLst/>
+            <a:cxnLst/>
+            <a:rect l="l" t="t" r="r" b="b"/>
+            <a:pathLst>
+              <a:path w="120000" h="120000" extrusionOk="0">
+                <a:moveTo>
+                  <a:pt x="0" y="0"/>
+                </a:moveTo>
+                <a:lnTo>
+                  <a:pt x="120000" y="0"/>
+                </a:lnTo>
+                <a:lnTo>
+                  <a:pt x="120000" y="120000"/>
+                </a:lnTo>
+                <a:lnTo>
+                  <a:pt x="0" y="120000"/>
+                </a:lnTo>
+                <a:close/>
+              </a:path>
+            </a:pathLst>
+          </a:custGeom>
+        </p:spPr>
+      </p:sp>
+      <p:sp>
+        <p:nvSpPr>
+          <p:cNvPr id="95" name="Google Shape;95;g9c73459845_0_175:notes"/>
+          <p:cNvSpPr txBox="1">
+            <a:spLocks noGrp="1"/>
+          </p:cNvSpPr>
+          <p:nvPr>
+            <p:ph type="body" idx="1"/>
+          </p:nvPr>
+        </p:nvSpPr>
+        <p:spPr>
+          <a:xfrm>
+            <a:off x="685800" y="4343400"/>
+            <a:ext cx="5486400" cy="4114800"/>
+          </a:xfrm>
+          <a:prstGeom prst="rect">
+            <a:avLst/>
+          </a:prstGeom>
+        </p:spPr>
+        <p:txBody>
+          <a:bodyPr spcFirstLastPara="1" wrap="square" lIns="91425" tIns="91425" rIns="91425" bIns="91425" anchor="t" anchorCtr="0">
+            <a:noAutofit/>
+          </a:bodyPr>
+          <a:lstStyle/>
+          <a:p>
+            <a:pPr marL="0" lvl="0" indent="0" algn="l" rtl="0">
+              <a:spcBef>
+                <a:spcPts val="0"/>
+              </a:spcBef>
+              <a:spcAft>
+                <a:spcPts val="0"/>
+              </a:spcAft>
+              <a:buNone/>
+            </a:pPr>
+            <a:endParaRPr/>
+          </a:p>
+        </p:txBody>
+      </p:sp>
+    </p:spTree>
+  </p:cSld>
+  <p:clrMapOvr>
+    <a:masterClrMapping/>
+  </p:clrMapOvr>
+</p:notes>
+</file>
+
+<file path=ppt/notesSlides/notesSlide12.xml><?xml version="1.0" encoding="utf-8"?>
+<p:notes xmlns:a="http://schemas.openxmlformats.org/drawingml/2006/main" xmlns:r="http://schemas.openxmlformats.org/officeDocument/2006/relationships" xmlns:p="http://schemas.openxmlformats.org/presentationml/2006/main" showMasterSp="0" showMasterPhAnim="0">
+  <p:cSld>
+    <p:spTree>
+      <p:nvGrpSpPr>
+        <p:cNvPr id="1" name="Shape 93"/>
+        <p:cNvGrpSpPr/>
+        <p:nvPr/>
+      </p:nvGrpSpPr>
+      <p:grpSpPr>
+        <a:xfrm>
+          <a:off x="0" y="0"/>
+          <a:ext cx="0" cy="0"/>
+          <a:chOff x="0" y="0"/>
+          <a:chExt cx="0" cy="0"/>
+        </a:xfrm>
+      </p:grpSpPr>
+      <p:sp>
+        <p:nvSpPr>
+          <p:cNvPr id="94" name="Google Shape;94;g9c73459845_0_175:notes"/>
+          <p:cNvSpPr>
+            <a:spLocks noGrp="1" noRot="1" noChangeAspect="1"/>
+          </p:cNvSpPr>
+          <p:nvPr>
+            <p:ph type="sldImg" idx="2"/>
+          </p:nvPr>
+        </p:nvSpPr>
+        <p:spPr>
+          <a:xfrm>
+            <a:off x="381000" y="685800"/>
+            <a:ext cx="6096000" cy="3429000"/>
+          </a:xfrm>
+          <a:custGeom>
+            <a:avLst/>
+            <a:gdLst/>
+            <a:ahLst/>
+            <a:cxnLst/>
+            <a:rect l="l" t="t" r="r" b="b"/>
+            <a:pathLst>
+              <a:path w="120000" h="120000" extrusionOk="0">
+                <a:moveTo>
+                  <a:pt x="0" y="0"/>
+                </a:moveTo>
+                <a:lnTo>
+                  <a:pt x="120000" y="0"/>
+                </a:lnTo>
+                <a:lnTo>
+                  <a:pt x="120000" y="120000"/>
+                </a:lnTo>
+                <a:lnTo>
+                  <a:pt x="0" y="120000"/>
+                </a:lnTo>
+                <a:close/>
+              </a:path>
+            </a:pathLst>
+          </a:custGeom>
+        </p:spPr>
+      </p:sp>
+      <p:sp>
+        <p:nvSpPr>
+          <p:cNvPr id="95" name="Google Shape;95;g9c73459845_0_175:notes"/>
+          <p:cNvSpPr txBox="1">
+            <a:spLocks noGrp="1"/>
+          </p:cNvSpPr>
+          <p:nvPr>
+            <p:ph type="body" idx="1"/>
+          </p:nvPr>
+        </p:nvSpPr>
+        <p:spPr>
+          <a:xfrm>
+            <a:off x="685800" y="4343400"/>
+            <a:ext cx="5486400" cy="4114800"/>
+          </a:xfrm>
+          <a:prstGeom prst="rect">
+            <a:avLst/>
+          </a:prstGeom>
+        </p:spPr>
+        <p:txBody>
+          <a:bodyPr spcFirstLastPara="1" wrap="square" lIns="91425" tIns="91425" rIns="91425" bIns="91425" anchor="t" anchorCtr="0">
+            <a:noAutofit/>
+          </a:bodyPr>
+          <a:lstStyle/>
+          <a:p>
+            <a:pPr marL="0" lvl="0" indent="0" algn="l" rtl="0">
+              <a:spcBef>
+                <a:spcPts val="0"/>
+              </a:spcBef>
+              <a:spcAft>
+                <a:spcPts val="0"/>
+              </a:spcAft>
+              <a:buNone/>
+            </a:pPr>
+            <a:endParaRPr/>
+          </a:p>
+        </p:txBody>
+      </p:sp>
+    </p:spTree>
+  </p:cSld>
+  <p:clrMapOvr>
+    <a:masterClrMapping/>
+  </p:clrMapOvr>
+</p:notes>
+</file>
+
+<file path=ppt/notesSlides/notesSlide13.xml><?xml version="1.0" encoding="utf-8"?>
+<p:notes xmlns:a="http://schemas.openxmlformats.org/drawingml/2006/main" xmlns:r="http://schemas.openxmlformats.org/officeDocument/2006/relationships" xmlns:p="http://schemas.openxmlformats.org/presentationml/2006/main" showMasterSp="0" showMasterPhAnim="0">
+  <p:cSld>
+    <p:spTree>
+      <p:nvGrpSpPr>
+        <p:cNvPr id="1" name="Shape 93"/>
+        <p:cNvGrpSpPr/>
+        <p:nvPr/>
+      </p:nvGrpSpPr>
+      <p:grpSpPr>
+        <a:xfrm>
+          <a:off x="0" y="0"/>
+          <a:ext cx="0" cy="0"/>
+          <a:chOff x="0" y="0"/>
+          <a:chExt cx="0" cy="0"/>
+        </a:xfrm>
+      </p:grpSpPr>
+      <p:sp>
+        <p:nvSpPr>
+          <p:cNvPr id="94" name="Google Shape;94;g9c73459845_0_175:notes"/>
+          <p:cNvSpPr>
+            <a:spLocks noGrp="1" noRot="1" noChangeAspect="1"/>
+          </p:cNvSpPr>
+          <p:nvPr>
+            <p:ph type="sldImg" idx="2"/>
+          </p:nvPr>
+        </p:nvSpPr>
+        <p:spPr>
+          <a:xfrm>
+            <a:off x="381000" y="685800"/>
+            <a:ext cx="6096000" cy="3429000"/>
+          </a:xfrm>
+          <a:custGeom>
+            <a:avLst/>
+            <a:gdLst/>
+            <a:ahLst/>
+            <a:cxnLst/>
+            <a:rect l="l" t="t" r="r" b="b"/>
+            <a:pathLst>
+              <a:path w="120000" h="120000" extrusionOk="0">
+                <a:moveTo>
+                  <a:pt x="0" y="0"/>
+                </a:moveTo>
+                <a:lnTo>
+                  <a:pt x="120000" y="0"/>
+                </a:lnTo>
+                <a:lnTo>
+                  <a:pt x="120000" y="120000"/>
+                </a:lnTo>
+                <a:lnTo>
+                  <a:pt x="0" y="120000"/>
+                </a:lnTo>
+                <a:close/>
+              </a:path>
+            </a:pathLst>
+          </a:custGeom>
+        </p:spPr>
+      </p:sp>
+      <p:sp>
+        <p:nvSpPr>
+          <p:cNvPr id="95" name="Google Shape;95;g9c73459845_0_175:notes"/>
+          <p:cNvSpPr txBox="1">
+            <a:spLocks noGrp="1"/>
+          </p:cNvSpPr>
+          <p:nvPr>
+            <p:ph type="body" idx="1"/>
+          </p:nvPr>
+        </p:nvSpPr>
+        <p:spPr>
+          <a:xfrm>
+            <a:off x="685800" y="4343400"/>
+            <a:ext cx="5486400" cy="4114800"/>
+          </a:xfrm>
+          <a:prstGeom prst="rect">
+            <a:avLst/>
+          </a:prstGeom>
+        </p:spPr>
+        <p:txBody>
+          <a:bodyPr spcFirstLastPara="1" wrap="square" lIns="91425" tIns="91425" rIns="91425" bIns="91425" anchor="t" anchorCtr="0">
+            <a:noAutofit/>
+          </a:bodyPr>
+          <a:lstStyle/>
+          <a:p>
+            <a:pPr marL="0" lvl="0" indent="0" algn="l" rtl="0">
+              <a:spcBef>
+                <a:spcPts val="0"/>
+              </a:spcBef>
+              <a:spcAft>
+                <a:spcPts val="0"/>
+              </a:spcAft>
+              <a:buNone/>
+            </a:pPr>
+            <a:endParaRPr/>
+          </a:p>
+        </p:txBody>
+      </p:sp>
+    </p:spTree>
+  </p:cSld>
+  <p:clrMapOvr>
+    <a:masterClrMapping/>
+  </p:clrMapOvr>
+</p:notes>
+</file>
+
+<file path=ppt/notesSlides/notesSlide14.xml><?xml version="1.0" encoding="utf-8"?>
+<p:notes xmlns:a="http://schemas.openxmlformats.org/drawingml/2006/main" xmlns:r="http://schemas.openxmlformats.org/officeDocument/2006/relationships" xmlns:p="http://schemas.openxmlformats.org/presentationml/2006/main" showMasterSp="0" showMasterPhAnim="0">
+  <p:cSld>
+    <p:spTree>
+      <p:nvGrpSpPr>
+        <p:cNvPr id="1" name="Shape 93"/>
+        <p:cNvGrpSpPr/>
+        <p:nvPr/>
+      </p:nvGrpSpPr>
+      <p:grpSpPr>
+        <a:xfrm>
+          <a:off x="0" y="0"/>
+          <a:ext cx="0" cy="0"/>
+          <a:chOff x="0" y="0"/>
+          <a:chExt cx="0" cy="0"/>
+        </a:xfrm>
+      </p:grpSpPr>
+      <p:sp>
+        <p:nvSpPr>
+          <p:cNvPr id="94" name="Google Shape;94;g9c73459845_0_175:notes"/>
+          <p:cNvSpPr>
+            <a:spLocks noGrp="1" noRot="1" noChangeAspect="1"/>
+          </p:cNvSpPr>
+          <p:nvPr>
+            <p:ph type="sldImg" idx="2"/>
+          </p:nvPr>
+        </p:nvSpPr>
+        <p:spPr>
+          <a:xfrm>
+            <a:off x="381000" y="685800"/>
+            <a:ext cx="6096000" cy="3429000"/>
+          </a:xfrm>
+          <a:custGeom>
+            <a:avLst/>
+            <a:gdLst/>
+            <a:ahLst/>
+            <a:cxnLst/>
+            <a:rect l="l" t="t" r="r" b="b"/>
+            <a:pathLst>
+              <a:path w="120000" h="120000" extrusionOk="0">
+                <a:moveTo>
+                  <a:pt x="0" y="0"/>
+                </a:moveTo>
+                <a:lnTo>
+                  <a:pt x="120000" y="0"/>
+                </a:lnTo>
+                <a:lnTo>
+                  <a:pt x="120000" y="120000"/>
+                </a:lnTo>
+                <a:lnTo>
+                  <a:pt x="0" y="120000"/>
+                </a:lnTo>
+                <a:close/>
+              </a:path>
+            </a:pathLst>
+          </a:custGeom>
+        </p:spPr>
+      </p:sp>
+      <p:sp>
+        <p:nvSpPr>
+          <p:cNvPr id="95" name="Google Shape;95;g9c73459845_0_175:notes"/>
+          <p:cNvSpPr txBox="1">
+            <a:spLocks noGrp="1"/>
+          </p:cNvSpPr>
+          <p:nvPr>
+            <p:ph type="body" idx="1"/>
+          </p:nvPr>
+        </p:nvSpPr>
+        <p:spPr>
+          <a:xfrm>
+            <a:off x="685800" y="4343400"/>
+            <a:ext cx="5486400" cy="4114800"/>
+          </a:xfrm>
+          <a:prstGeom prst="rect">
+            <a:avLst/>
+          </a:prstGeom>
+        </p:spPr>
+        <p:txBody>
+          <a:bodyPr spcFirstLastPara="1" wrap="square" lIns="91425" tIns="91425" rIns="91425" bIns="91425" anchor="t" anchorCtr="0">
+            <a:noAutofit/>
+          </a:bodyPr>
+          <a:lstStyle/>
+          <a:p>
+            <a:pPr marL="0" lvl="0" indent="0" algn="l" rtl="0">
+              <a:spcBef>
+                <a:spcPts val="0"/>
+              </a:spcBef>
+              <a:spcAft>
+                <a:spcPts val="0"/>
+              </a:spcAft>
+              <a:buNone/>
+            </a:pPr>
+            <a:endParaRPr/>
+          </a:p>
+        </p:txBody>
+      </p:sp>
+    </p:spTree>
+  </p:cSld>
+  <p:clrMapOvr>
+    <a:masterClrMapping/>
+  </p:clrMapOvr>
+</p:notes>
+</file>
+
+<file path=ppt/notesSlides/notesSlide15.xml><?xml version="1.0" encoding="utf-8"?>
+<p:notes xmlns:a="http://schemas.openxmlformats.org/drawingml/2006/main" xmlns:r="http://schemas.openxmlformats.org/officeDocument/2006/relationships" xmlns:p="http://schemas.openxmlformats.org/presentationml/2006/main" showMasterSp="0" showMasterPhAnim="0">
+  <p:cSld>
+    <p:spTree>
+      <p:nvGrpSpPr>
+        <p:cNvPr id="1" name="Shape 93"/>
+        <p:cNvGrpSpPr/>
+        <p:nvPr/>
+      </p:nvGrpSpPr>
+      <p:grpSpPr>
+        <a:xfrm>
+          <a:off x="0" y="0"/>
+          <a:ext cx="0" cy="0"/>
+          <a:chOff x="0" y="0"/>
+          <a:chExt cx="0" cy="0"/>
+        </a:xfrm>
+      </p:grpSpPr>
+      <p:sp>
+        <p:nvSpPr>
+          <p:cNvPr id="94" name="Google Shape;94;g9c73459845_0_175:notes"/>
+          <p:cNvSpPr>
+            <a:spLocks noGrp="1" noRot="1" noChangeAspect="1"/>
+          </p:cNvSpPr>
+          <p:nvPr>
+            <p:ph type="sldImg" idx="2"/>
+          </p:nvPr>
+        </p:nvSpPr>
+        <p:spPr>
+          <a:xfrm>
+            <a:off x="381000" y="685800"/>
+            <a:ext cx="6096000" cy="3429000"/>
+          </a:xfrm>
+          <a:custGeom>
+            <a:avLst/>
+            <a:gdLst/>
+            <a:ahLst/>
+            <a:cxnLst/>
+            <a:rect l="l" t="t" r="r" b="b"/>
+            <a:pathLst>
+              <a:path w="120000" h="120000" extrusionOk="0">
+                <a:moveTo>
+                  <a:pt x="0" y="0"/>
+                </a:moveTo>
+                <a:lnTo>
+                  <a:pt x="120000" y="0"/>
+                </a:lnTo>
+                <a:lnTo>
+                  <a:pt x="120000" y="120000"/>
+                </a:lnTo>
+                <a:lnTo>
+                  <a:pt x="0" y="120000"/>
+                </a:lnTo>
+                <a:close/>
+              </a:path>
+            </a:pathLst>
+          </a:custGeom>
+        </p:spPr>
+      </p:sp>
+      <p:sp>
+        <p:nvSpPr>
+          <p:cNvPr id="95" name="Google Shape;95;g9c73459845_0_175:notes"/>
+          <p:cNvSpPr txBox="1">
+            <a:spLocks noGrp="1"/>
+          </p:cNvSpPr>
+          <p:nvPr>
+            <p:ph type="body" idx="1"/>
+          </p:nvPr>
+        </p:nvSpPr>
+        <p:spPr>
+          <a:xfrm>
+            <a:off x="685800" y="4343400"/>
+            <a:ext cx="5486400" cy="4114800"/>
+          </a:xfrm>
+          <a:prstGeom prst="rect">
+            <a:avLst/>
+          </a:prstGeom>
+        </p:spPr>
+        <p:txBody>
+          <a:bodyPr spcFirstLastPara="1" wrap="square" lIns="91425" tIns="91425" rIns="91425" bIns="91425" anchor="t" anchorCtr="0">
+            <a:noAutofit/>
+          </a:bodyPr>
+          <a:lstStyle/>
+          <a:p>
+            <a:pPr marL="0" lvl="0" indent="0" algn="l" rtl="0">
+              <a:spcBef>
+                <a:spcPts val="0"/>
+              </a:spcBef>
+              <a:spcAft>
+                <a:spcPts val="0"/>
+              </a:spcAft>
+              <a:buNone/>
+            </a:pPr>
+            <a:endParaRPr/>
+          </a:p>
+        </p:txBody>
+      </p:sp>
+    </p:spTree>
+  </p:cSld>
+  <p:clrMapOvr>
+    <a:masterClrMapping/>
+  </p:clrMapOvr>
+</p:notes>
+</file>
+
+<file path=ppt/notesSlides/notesSlide16.xml><?xml version="1.0" encoding="utf-8"?>
+<p:notes xmlns:a="http://schemas.openxmlformats.org/drawingml/2006/main" xmlns:r="http://schemas.openxmlformats.org/officeDocument/2006/relationships" xmlns:p="http://schemas.openxmlformats.org/presentationml/2006/main" showMasterSp="0" showMasterPhAnim="0">
+  <p:cSld>
+    <p:spTree>
+      <p:nvGrpSpPr>
+        <p:cNvPr id="1" name="Shape 93"/>
+        <p:cNvGrpSpPr/>
+        <p:nvPr/>
+      </p:nvGrpSpPr>
+      <p:grpSpPr>
+        <a:xfrm>
+          <a:off x="0" y="0"/>
+          <a:ext cx="0" cy="0"/>
+          <a:chOff x="0" y="0"/>
+          <a:chExt cx="0" cy="0"/>
+        </a:xfrm>
+      </p:grpSpPr>
+      <p:sp>
+        <p:nvSpPr>
+          <p:cNvPr id="94" name="Google Shape;94;g9c73459845_0_175:notes"/>
+          <p:cNvSpPr>
+            <a:spLocks noGrp="1" noRot="1" noChangeAspect="1"/>
+          </p:cNvSpPr>
+          <p:nvPr>
+            <p:ph type="sldImg" idx="2"/>
+          </p:nvPr>
+        </p:nvSpPr>
+        <p:spPr>
+          <a:xfrm>
+            <a:off x="381000" y="685800"/>
+            <a:ext cx="6096000" cy="3429000"/>
+          </a:xfrm>
+          <a:custGeom>
+            <a:avLst/>
+            <a:gdLst/>
+            <a:ahLst/>
+            <a:cxnLst/>
+            <a:rect l="l" t="t" r="r" b="b"/>
+            <a:pathLst>
+              <a:path w="120000" h="120000" extrusionOk="0">
+                <a:moveTo>
+                  <a:pt x="0" y="0"/>
+                </a:moveTo>
+                <a:lnTo>
+                  <a:pt x="120000" y="0"/>
+                </a:lnTo>
+                <a:lnTo>
+                  <a:pt x="120000" y="120000"/>
+                </a:lnTo>
+                <a:lnTo>
+                  <a:pt x="0" y="120000"/>
+                </a:lnTo>
+                <a:close/>
+              </a:path>
+            </a:pathLst>
+          </a:custGeom>
+        </p:spPr>
+      </p:sp>
+      <p:sp>
+        <p:nvSpPr>
+          <p:cNvPr id="95" name="Google Shape;95;g9c73459845_0_175:notes"/>
+          <p:cNvSpPr txBox="1">
+            <a:spLocks noGrp="1"/>
+          </p:cNvSpPr>
+          <p:nvPr>
+            <p:ph type="body" idx="1"/>
+          </p:nvPr>
+        </p:nvSpPr>
+        <p:spPr>
+          <a:xfrm>
+            <a:off x="685800" y="4343400"/>
+            <a:ext cx="5486400" cy="4114800"/>
+          </a:xfrm>
+          <a:prstGeom prst="rect">
+            <a:avLst/>
+          </a:prstGeom>
+        </p:spPr>
+        <p:txBody>
+          <a:bodyPr spcFirstLastPara="1" wrap="square" lIns="91425" tIns="91425" rIns="91425" bIns="91425" anchor="t" anchorCtr="0">
+            <a:noAutofit/>
+          </a:bodyPr>
+          <a:lstStyle/>
+          <a:p>
+            <a:pPr marL="0" lvl="0" indent="0" algn="l" rtl="0">
+              <a:spcBef>
+                <a:spcPts val="0"/>
+              </a:spcBef>
+              <a:spcAft>
+                <a:spcPts val="0"/>
+              </a:spcAft>
+              <a:buNone/>
+            </a:pPr>
+            <a:endParaRPr/>
+          </a:p>
+        </p:txBody>
+      </p:sp>
+    </p:spTree>
+  </p:cSld>
+  <p:clrMapOvr>
+    <a:masterClrMapping/>
+  </p:clrMapOvr>
+</p:notes>
+</file>
+
 <file path=ppt/notesSlides/notesSlide2.xml><?xml version="1.0" encoding="utf-8"?>
 <p:notes xmlns:a="http://schemas.openxmlformats.org/drawingml/2006/main" xmlns:r="http://schemas.openxmlformats.org/officeDocument/2006/relationships" xmlns:p="http://schemas.openxmlformats.org/presentationml/2006/main" showMasterSp="0" showMasterPhAnim="0">
   <p:cSld>
@@ -924,6 +1665,630 @@
 </file>
 
 <file path=ppt/notesSlides/notesSlide3.xml><?xml version="1.0" encoding="utf-8"?>
+<p:notes xmlns:a="http://schemas.openxmlformats.org/drawingml/2006/main" xmlns:r="http://schemas.openxmlformats.org/officeDocument/2006/relationships" xmlns:p="http://schemas.openxmlformats.org/presentationml/2006/main" showMasterSp="0" showMasterPhAnim="0">
+  <p:cSld>
+    <p:spTree>
+      <p:nvGrpSpPr>
+        <p:cNvPr id="1" name="Shape 93"/>
+        <p:cNvGrpSpPr/>
+        <p:nvPr/>
+      </p:nvGrpSpPr>
+      <p:grpSpPr>
+        <a:xfrm>
+          <a:off x="0" y="0"/>
+          <a:ext cx="0" cy="0"/>
+          <a:chOff x="0" y="0"/>
+          <a:chExt cx="0" cy="0"/>
+        </a:xfrm>
+      </p:grpSpPr>
+      <p:sp>
+        <p:nvSpPr>
+          <p:cNvPr id="94" name="Google Shape;94;g9c73459845_0_175:notes"/>
+          <p:cNvSpPr>
+            <a:spLocks noGrp="1" noRot="1" noChangeAspect="1"/>
+          </p:cNvSpPr>
+          <p:nvPr>
+            <p:ph type="sldImg" idx="2"/>
+          </p:nvPr>
+        </p:nvSpPr>
+        <p:spPr>
+          <a:xfrm>
+            <a:off x="381000" y="685800"/>
+            <a:ext cx="6096000" cy="3429000"/>
+          </a:xfrm>
+          <a:custGeom>
+            <a:avLst/>
+            <a:gdLst/>
+            <a:ahLst/>
+            <a:cxnLst/>
+            <a:rect l="l" t="t" r="r" b="b"/>
+            <a:pathLst>
+              <a:path w="120000" h="120000" extrusionOk="0">
+                <a:moveTo>
+                  <a:pt x="0" y="0"/>
+                </a:moveTo>
+                <a:lnTo>
+                  <a:pt x="120000" y="0"/>
+                </a:lnTo>
+                <a:lnTo>
+                  <a:pt x="120000" y="120000"/>
+                </a:lnTo>
+                <a:lnTo>
+                  <a:pt x="0" y="120000"/>
+                </a:lnTo>
+                <a:close/>
+              </a:path>
+            </a:pathLst>
+          </a:custGeom>
+        </p:spPr>
+      </p:sp>
+      <p:sp>
+        <p:nvSpPr>
+          <p:cNvPr id="95" name="Google Shape;95;g9c73459845_0_175:notes"/>
+          <p:cNvSpPr txBox="1">
+            <a:spLocks noGrp="1"/>
+          </p:cNvSpPr>
+          <p:nvPr>
+            <p:ph type="body" idx="1"/>
+          </p:nvPr>
+        </p:nvSpPr>
+        <p:spPr>
+          <a:xfrm>
+            <a:off x="685800" y="4343400"/>
+            <a:ext cx="5486400" cy="4114800"/>
+          </a:xfrm>
+          <a:prstGeom prst="rect">
+            <a:avLst/>
+          </a:prstGeom>
+        </p:spPr>
+        <p:txBody>
+          <a:bodyPr spcFirstLastPara="1" wrap="square" lIns="91425" tIns="91425" rIns="91425" bIns="91425" anchor="t" anchorCtr="0">
+            <a:noAutofit/>
+          </a:bodyPr>
+          <a:lstStyle/>
+          <a:p>
+            <a:pPr marL="0" lvl="0" indent="0" algn="l" rtl="0">
+              <a:spcBef>
+                <a:spcPts val="0"/>
+              </a:spcBef>
+              <a:spcAft>
+                <a:spcPts val="0"/>
+              </a:spcAft>
+              <a:buNone/>
+            </a:pPr>
+            <a:endParaRPr/>
+          </a:p>
+        </p:txBody>
+      </p:sp>
+    </p:spTree>
+  </p:cSld>
+  <p:clrMapOvr>
+    <a:masterClrMapping/>
+  </p:clrMapOvr>
+</p:notes>
+</file>
+
+<file path=ppt/notesSlides/notesSlide4.xml><?xml version="1.0" encoding="utf-8"?>
+<p:notes xmlns:a="http://schemas.openxmlformats.org/drawingml/2006/main" xmlns:r="http://schemas.openxmlformats.org/officeDocument/2006/relationships" xmlns:p="http://schemas.openxmlformats.org/presentationml/2006/main" showMasterSp="0" showMasterPhAnim="0">
+  <p:cSld>
+    <p:spTree>
+      <p:nvGrpSpPr>
+        <p:cNvPr id="1" name="Shape 93"/>
+        <p:cNvGrpSpPr/>
+        <p:nvPr/>
+      </p:nvGrpSpPr>
+      <p:grpSpPr>
+        <a:xfrm>
+          <a:off x="0" y="0"/>
+          <a:ext cx="0" cy="0"/>
+          <a:chOff x="0" y="0"/>
+          <a:chExt cx="0" cy="0"/>
+        </a:xfrm>
+      </p:grpSpPr>
+      <p:sp>
+        <p:nvSpPr>
+          <p:cNvPr id="94" name="Google Shape;94;g9c73459845_0_175:notes"/>
+          <p:cNvSpPr>
+            <a:spLocks noGrp="1" noRot="1" noChangeAspect="1"/>
+          </p:cNvSpPr>
+          <p:nvPr>
+            <p:ph type="sldImg" idx="2"/>
+          </p:nvPr>
+        </p:nvSpPr>
+        <p:spPr>
+          <a:xfrm>
+            <a:off x="381000" y="685800"/>
+            <a:ext cx="6096000" cy="3429000"/>
+          </a:xfrm>
+          <a:custGeom>
+            <a:avLst/>
+            <a:gdLst/>
+            <a:ahLst/>
+            <a:cxnLst/>
+            <a:rect l="l" t="t" r="r" b="b"/>
+            <a:pathLst>
+              <a:path w="120000" h="120000" extrusionOk="0">
+                <a:moveTo>
+                  <a:pt x="0" y="0"/>
+                </a:moveTo>
+                <a:lnTo>
+                  <a:pt x="120000" y="0"/>
+                </a:lnTo>
+                <a:lnTo>
+                  <a:pt x="120000" y="120000"/>
+                </a:lnTo>
+                <a:lnTo>
+                  <a:pt x="0" y="120000"/>
+                </a:lnTo>
+                <a:close/>
+              </a:path>
+            </a:pathLst>
+          </a:custGeom>
+        </p:spPr>
+      </p:sp>
+      <p:sp>
+        <p:nvSpPr>
+          <p:cNvPr id="95" name="Google Shape;95;g9c73459845_0_175:notes"/>
+          <p:cNvSpPr txBox="1">
+            <a:spLocks noGrp="1"/>
+          </p:cNvSpPr>
+          <p:nvPr>
+            <p:ph type="body" idx="1"/>
+          </p:nvPr>
+        </p:nvSpPr>
+        <p:spPr>
+          <a:xfrm>
+            <a:off x="685800" y="4343400"/>
+            <a:ext cx="5486400" cy="4114800"/>
+          </a:xfrm>
+          <a:prstGeom prst="rect">
+            <a:avLst/>
+          </a:prstGeom>
+        </p:spPr>
+        <p:txBody>
+          <a:bodyPr spcFirstLastPara="1" wrap="square" lIns="91425" tIns="91425" rIns="91425" bIns="91425" anchor="t" anchorCtr="0">
+            <a:noAutofit/>
+          </a:bodyPr>
+          <a:lstStyle/>
+          <a:p>
+            <a:pPr marL="0" lvl="0" indent="0" algn="l" rtl="0">
+              <a:spcBef>
+                <a:spcPts val="0"/>
+              </a:spcBef>
+              <a:spcAft>
+                <a:spcPts val="0"/>
+              </a:spcAft>
+              <a:buNone/>
+            </a:pPr>
+            <a:endParaRPr/>
+          </a:p>
+        </p:txBody>
+      </p:sp>
+    </p:spTree>
+  </p:cSld>
+  <p:clrMapOvr>
+    <a:masterClrMapping/>
+  </p:clrMapOvr>
+</p:notes>
+</file>
+
+<file path=ppt/notesSlides/notesSlide5.xml><?xml version="1.0" encoding="utf-8"?>
+<p:notes xmlns:a="http://schemas.openxmlformats.org/drawingml/2006/main" xmlns:r="http://schemas.openxmlformats.org/officeDocument/2006/relationships" xmlns:p="http://schemas.openxmlformats.org/presentationml/2006/main" showMasterSp="0" showMasterPhAnim="0">
+  <p:cSld>
+    <p:spTree>
+      <p:nvGrpSpPr>
+        <p:cNvPr id="1" name="Shape 93"/>
+        <p:cNvGrpSpPr/>
+        <p:nvPr/>
+      </p:nvGrpSpPr>
+      <p:grpSpPr>
+        <a:xfrm>
+          <a:off x="0" y="0"/>
+          <a:ext cx="0" cy="0"/>
+          <a:chOff x="0" y="0"/>
+          <a:chExt cx="0" cy="0"/>
+        </a:xfrm>
+      </p:grpSpPr>
+      <p:sp>
+        <p:nvSpPr>
+          <p:cNvPr id="94" name="Google Shape;94;g9c73459845_0_175:notes"/>
+          <p:cNvSpPr>
+            <a:spLocks noGrp="1" noRot="1" noChangeAspect="1"/>
+          </p:cNvSpPr>
+          <p:nvPr>
+            <p:ph type="sldImg" idx="2"/>
+          </p:nvPr>
+        </p:nvSpPr>
+        <p:spPr>
+          <a:xfrm>
+            <a:off x="381000" y="685800"/>
+            <a:ext cx="6096000" cy="3429000"/>
+          </a:xfrm>
+          <a:custGeom>
+            <a:avLst/>
+            <a:gdLst/>
+            <a:ahLst/>
+            <a:cxnLst/>
+            <a:rect l="l" t="t" r="r" b="b"/>
+            <a:pathLst>
+              <a:path w="120000" h="120000" extrusionOk="0">
+                <a:moveTo>
+                  <a:pt x="0" y="0"/>
+                </a:moveTo>
+                <a:lnTo>
+                  <a:pt x="120000" y="0"/>
+                </a:lnTo>
+                <a:lnTo>
+                  <a:pt x="120000" y="120000"/>
+                </a:lnTo>
+                <a:lnTo>
+                  <a:pt x="0" y="120000"/>
+                </a:lnTo>
+                <a:close/>
+              </a:path>
+            </a:pathLst>
+          </a:custGeom>
+        </p:spPr>
+      </p:sp>
+      <p:sp>
+        <p:nvSpPr>
+          <p:cNvPr id="95" name="Google Shape;95;g9c73459845_0_175:notes"/>
+          <p:cNvSpPr txBox="1">
+            <a:spLocks noGrp="1"/>
+          </p:cNvSpPr>
+          <p:nvPr>
+            <p:ph type="body" idx="1"/>
+          </p:nvPr>
+        </p:nvSpPr>
+        <p:spPr>
+          <a:xfrm>
+            <a:off x="685800" y="4343400"/>
+            <a:ext cx="5486400" cy="4114800"/>
+          </a:xfrm>
+          <a:prstGeom prst="rect">
+            <a:avLst/>
+          </a:prstGeom>
+        </p:spPr>
+        <p:txBody>
+          <a:bodyPr spcFirstLastPara="1" wrap="square" lIns="91425" tIns="91425" rIns="91425" bIns="91425" anchor="t" anchorCtr="0">
+            <a:noAutofit/>
+          </a:bodyPr>
+          <a:lstStyle/>
+          <a:p>
+            <a:pPr marL="0" lvl="0" indent="0" algn="l" rtl="0">
+              <a:spcBef>
+                <a:spcPts val="0"/>
+              </a:spcBef>
+              <a:spcAft>
+                <a:spcPts val="0"/>
+              </a:spcAft>
+              <a:buNone/>
+            </a:pPr>
+            <a:endParaRPr/>
+          </a:p>
+        </p:txBody>
+      </p:sp>
+    </p:spTree>
+  </p:cSld>
+  <p:clrMapOvr>
+    <a:masterClrMapping/>
+  </p:clrMapOvr>
+</p:notes>
+</file>
+
+<file path=ppt/notesSlides/notesSlide6.xml><?xml version="1.0" encoding="utf-8"?>
+<p:notes xmlns:a="http://schemas.openxmlformats.org/drawingml/2006/main" xmlns:r="http://schemas.openxmlformats.org/officeDocument/2006/relationships" xmlns:p="http://schemas.openxmlformats.org/presentationml/2006/main" showMasterSp="0" showMasterPhAnim="0">
+  <p:cSld>
+    <p:spTree>
+      <p:nvGrpSpPr>
+        <p:cNvPr id="1" name="Shape 93"/>
+        <p:cNvGrpSpPr/>
+        <p:nvPr/>
+      </p:nvGrpSpPr>
+      <p:grpSpPr>
+        <a:xfrm>
+          <a:off x="0" y="0"/>
+          <a:ext cx="0" cy="0"/>
+          <a:chOff x="0" y="0"/>
+          <a:chExt cx="0" cy="0"/>
+        </a:xfrm>
+      </p:grpSpPr>
+      <p:sp>
+        <p:nvSpPr>
+          <p:cNvPr id="94" name="Google Shape;94;g9c73459845_0_175:notes"/>
+          <p:cNvSpPr>
+            <a:spLocks noGrp="1" noRot="1" noChangeAspect="1"/>
+          </p:cNvSpPr>
+          <p:nvPr>
+            <p:ph type="sldImg" idx="2"/>
+          </p:nvPr>
+        </p:nvSpPr>
+        <p:spPr>
+          <a:xfrm>
+            <a:off x="381000" y="685800"/>
+            <a:ext cx="6096000" cy="3429000"/>
+          </a:xfrm>
+          <a:custGeom>
+            <a:avLst/>
+            <a:gdLst/>
+            <a:ahLst/>
+            <a:cxnLst/>
+            <a:rect l="l" t="t" r="r" b="b"/>
+            <a:pathLst>
+              <a:path w="120000" h="120000" extrusionOk="0">
+                <a:moveTo>
+                  <a:pt x="0" y="0"/>
+                </a:moveTo>
+                <a:lnTo>
+                  <a:pt x="120000" y="0"/>
+                </a:lnTo>
+                <a:lnTo>
+                  <a:pt x="120000" y="120000"/>
+                </a:lnTo>
+                <a:lnTo>
+                  <a:pt x="0" y="120000"/>
+                </a:lnTo>
+                <a:close/>
+              </a:path>
+            </a:pathLst>
+          </a:custGeom>
+        </p:spPr>
+      </p:sp>
+      <p:sp>
+        <p:nvSpPr>
+          <p:cNvPr id="95" name="Google Shape;95;g9c73459845_0_175:notes"/>
+          <p:cNvSpPr txBox="1">
+            <a:spLocks noGrp="1"/>
+          </p:cNvSpPr>
+          <p:nvPr>
+            <p:ph type="body" idx="1"/>
+          </p:nvPr>
+        </p:nvSpPr>
+        <p:spPr>
+          <a:xfrm>
+            <a:off x="685800" y="4343400"/>
+            <a:ext cx="5486400" cy="4114800"/>
+          </a:xfrm>
+          <a:prstGeom prst="rect">
+            <a:avLst/>
+          </a:prstGeom>
+        </p:spPr>
+        <p:txBody>
+          <a:bodyPr spcFirstLastPara="1" wrap="square" lIns="91425" tIns="91425" rIns="91425" bIns="91425" anchor="t" anchorCtr="0">
+            <a:noAutofit/>
+          </a:bodyPr>
+          <a:lstStyle/>
+          <a:p>
+            <a:pPr marL="0" lvl="0" indent="0" algn="l" rtl="0">
+              <a:spcBef>
+                <a:spcPts val="0"/>
+              </a:spcBef>
+              <a:spcAft>
+                <a:spcPts val="0"/>
+              </a:spcAft>
+              <a:buNone/>
+            </a:pPr>
+            <a:endParaRPr/>
+          </a:p>
+        </p:txBody>
+      </p:sp>
+    </p:spTree>
+  </p:cSld>
+  <p:clrMapOvr>
+    <a:masterClrMapping/>
+  </p:clrMapOvr>
+</p:notes>
+</file>
+
+<file path=ppt/notesSlides/notesSlide7.xml><?xml version="1.0" encoding="utf-8"?>
+<p:notes xmlns:a="http://schemas.openxmlformats.org/drawingml/2006/main" xmlns:r="http://schemas.openxmlformats.org/officeDocument/2006/relationships" xmlns:p="http://schemas.openxmlformats.org/presentationml/2006/main" showMasterSp="0" showMasterPhAnim="0">
+  <p:cSld>
+    <p:spTree>
+      <p:nvGrpSpPr>
+        <p:cNvPr id="1" name="Shape 93"/>
+        <p:cNvGrpSpPr/>
+        <p:nvPr/>
+      </p:nvGrpSpPr>
+      <p:grpSpPr>
+        <a:xfrm>
+          <a:off x="0" y="0"/>
+          <a:ext cx="0" cy="0"/>
+          <a:chOff x="0" y="0"/>
+          <a:chExt cx="0" cy="0"/>
+        </a:xfrm>
+      </p:grpSpPr>
+      <p:sp>
+        <p:nvSpPr>
+          <p:cNvPr id="94" name="Google Shape;94;g9c73459845_0_175:notes"/>
+          <p:cNvSpPr>
+            <a:spLocks noGrp="1" noRot="1" noChangeAspect="1"/>
+          </p:cNvSpPr>
+          <p:nvPr>
+            <p:ph type="sldImg" idx="2"/>
+          </p:nvPr>
+        </p:nvSpPr>
+        <p:spPr>
+          <a:xfrm>
+            <a:off x="381000" y="685800"/>
+            <a:ext cx="6096000" cy="3429000"/>
+          </a:xfrm>
+          <a:custGeom>
+            <a:avLst/>
+            <a:gdLst/>
+            <a:ahLst/>
+            <a:cxnLst/>
+            <a:rect l="l" t="t" r="r" b="b"/>
+            <a:pathLst>
+              <a:path w="120000" h="120000" extrusionOk="0">
+                <a:moveTo>
+                  <a:pt x="0" y="0"/>
+                </a:moveTo>
+                <a:lnTo>
+                  <a:pt x="120000" y="0"/>
+                </a:lnTo>
+                <a:lnTo>
+                  <a:pt x="120000" y="120000"/>
+                </a:lnTo>
+                <a:lnTo>
+                  <a:pt x="0" y="120000"/>
+                </a:lnTo>
+                <a:close/>
+              </a:path>
+            </a:pathLst>
+          </a:custGeom>
+        </p:spPr>
+      </p:sp>
+      <p:sp>
+        <p:nvSpPr>
+          <p:cNvPr id="95" name="Google Shape;95;g9c73459845_0_175:notes"/>
+          <p:cNvSpPr txBox="1">
+            <a:spLocks noGrp="1"/>
+          </p:cNvSpPr>
+          <p:nvPr>
+            <p:ph type="body" idx="1"/>
+          </p:nvPr>
+        </p:nvSpPr>
+        <p:spPr>
+          <a:xfrm>
+            <a:off x="685800" y="4343400"/>
+            <a:ext cx="5486400" cy="4114800"/>
+          </a:xfrm>
+          <a:prstGeom prst="rect">
+            <a:avLst/>
+          </a:prstGeom>
+        </p:spPr>
+        <p:txBody>
+          <a:bodyPr spcFirstLastPara="1" wrap="square" lIns="91425" tIns="91425" rIns="91425" bIns="91425" anchor="t" anchorCtr="0">
+            <a:noAutofit/>
+          </a:bodyPr>
+          <a:lstStyle/>
+          <a:p>
+            <a:pPr marL="0" lvl="0" indent="0" algn="l" rtl="0">
+              <a:spcBef>
+                <a:spcPts val="0"/>
+              </a:spcBef>
+              <a:spcAft>
+                <a:spcPts val="0"/>
+              </a:spcAft>
+              <a:buNone/>
+            </a:pPr>
+            <a:endParaRPr/>
+          </a:p>
+        </p:txBody>
+      </p:sp>
+    </p:spTree>
+  </p:cSld>
+  <p:clrMapOvr>
+    <a:masterClrMapping/>
+  </p:clrMapOvr>
+</p:notes>
+</file>
+
+<file path=ppt/notesSlides/notesSlide8.xml><?xml version="1.0" encoding="utf-8"?>
+<p:notes xmlns:a="http://schemas.openxmlformats.org/drawingml/2006/main" xmlns:r="http://schemas.openxmlformats.org/officeDocument/2006/relationships" xmlns:p="http://schemas.openxmlformats.org/presentationml/2006/main" showMasterSp="0" showMasterPhAnim="0">
+  <p:cSld>
+    <p:spTree>
+      <p:nvGrpSpPr>
+        <p:cNvPr id="1" name="Shape 93"/>
+        <p:cNvGrpSpPr/>
+        <p:nvPr/>
+      </p:nvGrpSpPr>
+      <p:grpSpPr>
+        <a:xfrm>
+          <a:off x="0" y="0"/>
+          <a:ext cx="0" cy="0"/>
+          <a:chOff x="0" y="0"/>
+          <a:chExt cx="0" cy="0"/>
+        </a:xfrm>
+      </p:grpSpPr>
+      <p:sp>
+        <p:nvSpPr>
+          <p:cNvPr id="94" name="Google Shape;94;g9c73459845_0_175:notes"/>
+          <p:cNvSpPr>
+            <a:spLocks noGrp="1" noRot="1" noChangeAspect="1"/>
+          </p:cNvSpPr>
+          <p:nvPr>
+            <p:ph type="sldImg" idx="2"/>
+          </p:nvPr>
+        </p:nvSpPr>
+        <p:spPr>
+          <a:xfrm>
+            <a:off x="381000" y="685800"/>
+            <a:ext cx="6096000" cy="3429000"/>
+          </a:xfrm>
+          <a:custGeom>
+            <a:avLst/>
+            <a:gdLst/>
+            <a:ahLst/>
+            <a:cxnLst/>
+            <a:rect l="l" t="t" r="r" b="b"/>
+            <a:pathLst>
+              <a:path w="120000" h="120000" extrusionOk="0">
+                <a:moveTo>
+                  <a:pt x="0" y="0"/>
+                </a:moveTo>
+                <a:lnTo>
+                  <a:pt x="120000" y="0"/>
+                </a:lnTo>
+                <a:lnTo>
+                  <a:pt x="120000" y="120000"/>
+                </a:lnTo>
+                <a:lnTo>
+                  <a:pt x="0" y="120000"/>
+                </a:lnTo>
+                <a:close/>
+              </a:path>
+            </a:pathLst>
+          </a:custGeom>
+        </p:spPr>
+      </p:sp>
+      <p:sp>
+        <p:nvSpPr>
+          <p:cNvPr id="95" name="Google Shape;95;g9c73459845_0_175:notes"/>
+          <p:cNvSpPr txBox="1">
+            <a:spLocks noGrp="1"/>
+          </p:cNvSpPr>
+          <p:nvPr>
+            <p:ph type="body" idx="1"/>
+          </p:nvPr>
+        </p:nvSpPr>
+        <p:spPr>
+          <a:xfrm>
+            <a:off x="685800" y="4343400"/>
+            <a:ext cx="5486400" cy="4114800"/>
+          </a:xfrm>
+          <a:prstGeom prst="rect">
+            <a:avLst/>
+          </a:prstGeom>
+        </p:spPr>
+        <p:txBody>
+          <a:bodyPr spcFirstLastPara="1" wrap="square" lIns="91425" tIns="91425" rIns="91425" bIns="91425" anchor="t" anchorCtr="0">
+            <a:noAutofit/>
+          </a:bodyPr>
+          <a:lstStyle/>
+          <a:p>
+            <a:pPr marL="0" lvl="0" indent="0" algn="l" rtl="0">
+              <a:spcBef>
+                <a:spcPts val="0"/>
+              </a:spcBef>
+              <a:spcAft>
+                <a:spcPts val="0"/>
+              </a:spcAft>
+              <a:buNone/>
+            </a:pPr>
+            <a:endParaRPr/>
+          </a:p>
+        </p:txBody>
+      </p:sp>
+    </p:spTree>
+  </p:cSld>
+  <p:clrMapOvr>
+    <a:masterClrMapping/>
+  </p:clrMapOvr>
+</p:notes>
+</file>
+
+<file path=ppt/notesSlides/notesSlide9.xml><?xml version="1.0" encoding="utf-8"?>
 <p:notes xmlns:a="http://schemas.openxmlformats.org/drawingml/2006/main" xmlns:r="http://schemas.openxmlformats.org/officeDocument/2006/relationships" xmlns:p="http://schemas.openxmlformats.org/presentationml/2006/main" showMasterSp="0" showMasterPhAnim="0">
   <p:cSld>
     <p:spTree>
@@ -5437,27 +6802,27 @@
                 <a:latin typeface="HY헤드라인M" pitchFamily="18" charset="-127"/>
                 <a:ea typeface="HY헤드라인M" pitchFamily="18" charset="-127"/>
               </a:rPr>
-              <a:t>주제</a:t>
-            </a:r>
-            <a:r>
-              <a:rPr lang="en-US" altLang="ko-KR" sz="2000" dirty="0" smtClean="0">
+              <a:t>선거 공약 데이터를 활용한 워드 </a:t>
+            </a:r>
+            <a:r>
+              <a:rPr lang="ko-KR" altLang="en-US" sz="2000" dirty="0" err="1" smtClean="0">
                 <a:solidFill>
                   <a:schemeClr val="dk1"/>
                 </a:solidFill>
                 <a:latin typeface="HY헤드라인M" pitchFamily="18" charset="-127"/>
                 <a:ea typeface="HY헤드라인M" pitchFamily="18" charset="-127"/>
               </a:rPr>
-              <a:t>1.</a:t>
-            </a:r>
-            <a:r>
-              <a:rPr lang="ko-KR" altLang="en-US" sz="2000" dirty="0" smtClean="0">
+              <a:t>클라우드</a:t>
+            </a:r>
+            <a:r>
+              <a:rPr lang="en-US" altLang="ko-KR" sz="2000" dirty="0" smtClean="0">
                 <a:solidFill>
                   <a:schemeClr val="dk1"/>
                 </a:solidFill>
                 <a:latin typeface="HY헤드라인M" pitchFamily="18" charset="-127"/>
                 <a:ea typeface="HY헤드라인M" pitchFamily="18" charset="-127"/>
               </a:rPr>
-              <a:t> 공약으로 출산을 언급한 정치인의 </a:t>
+              <a:t>1. </a:t>
             </a:r>
             <a:r>
               <a:rPr lang="ko-KR" altLang="en-US" sz="2000" dirty="0" err="1" smtClean="0">
@@ -5467,27 +6832,7 @@
                 <a:latin typeface="HY헤드라인M" pitchFamily="18" charset="-127"/>
                 <a:ea typeface="HY헤드라인M" pitchFamily="18" charset="-127"/>
               </a:rPr>
-              <a:t>당선율이</a:t>
-            </a:r>
-            <a:r>
-              <a:rPr lang="ko-KR" altLang="en-US" sz="2000" dirty="0" smtClean="0">
-                <a:solidFill>
-                  <a:schemeClr val="dk1"/>
-                </a:solidFill>
-                <a:latin typeface="HY헤드라인M" pitchFamily="18" charset="-127"/>
-                <a:ea typeface="HY헤드라인M" pitchFamily="18" charset="-127"/>
-              </a:rPr>
-              <a:t> 높을까</a:t>
-            </a:r>
-            <a:r>
-              <a:rPr lang="en-US" altLang="ko-KR" sz="2000" dirty="0" smtClean="0">
-                <a:solidFill>
-                  <a:schemeClr val="dk1"/>
-                </a:solidFill>
-                <a:latin typeface="HY헤드라인M" pitchFamily="18" charset="-127"/>
-                <a:ea typeface="HY헤드라인M" pitchFamily="18" charset="-127"/>
-              </a:rPr>
-              <a:t>? </a:t>
+              <a:t>저출산</a:t>
             </a:r>
             <a:endParaRPr sz="2000">
               <a:solidFill>
@@ -5501,7 +6846,7 @@
       </p:sp>
       <p:pic>
         <p:nvPicPr>
-          <p:cNvPr id="1027" name="Picture 3" descr="C:\RWork\StatProject\선거 당선자들의 공약에서 출산 관련 내용이 포함되었는지 여부 파악.png"/>
+          <p:cNvPr id="1034" name="Picture 10" descr="C:\PythonWork\PycharmWork\ProjectTeam1\data\csv\저출산_est_word.png"/>
           <p:cNvPicPr>
             <a:picLocks noChangeAspect="1" noChangeArrowheads="1"/>
           </p:cNvPicPr>
@@ -5516,8 +6861,8 @@
         </p:blipFill>
         <p:spPr bwMode="auto">
           <a:xfrm>
-            <a:off x="783318" y="1509485"/>
-            <a:ext cx="3600000" cy="2880000"/>
+            <a:off x="5005281" y="1194851"/>
+            <a:ext cx="3909012" cy="3600000"/>
           </a:xfrm>
           <a:prstGeom prst="rect">
             <a:avLst/>
@@ -5527,7 +6872,7 @@
       </p:pic>
       <p:pic>
         <p:nvPicPr>
-          <p:cNvPr id="62" name="Picture 4" descr="C:\RWork\StatProject\선거 당선자들의 공약에서 출산 관련 내용이 포함되었는지 여부에 따라 당선율의 평균.png"/>
+          <p:cNvPr id="1035" name="Picture 11" descr="C:\PythonWork\PycharmWork\ProjectTeam1\data\csv\저출산_est_all.png"/>
           <p:cNvPicPr>
             <a:picLocks noChangeAspect="1" noChangeArrowheads="1"/>
           </p:cNvPicPr>
@@ -5542,8 +6887,8 @@
         </p:blipFill>
         <p:spPr bwMode="auto">
           <a:xfrm>
-            <a:off x="4848224" y="1448886"/>
-            <a:ext cx="3600000" cy="2880000"/>
+            <a:off x="577119" y="1143481"/>
+            <a:ext cx="3909012" cy="3600000"/>
           </a:xfrm>
           <a:prstGeom prst="rect">
             <a:avLst/>
@@ -5559,537 +6904,7 @@
 </p:sld>
 </file>
 
-<file path=ppt/slides/slide2.xml><?xml version="1.0" encoding="utf-8"?>
-<p:sld xmlns:a="http://schemas.openxmlformats.org/drawingml/2006/main" xmlns:r="http://schemas.openxmlformats.org/officeDocument/2006/relationships" xmlns:p="http://schemas.openxmlformats.org/presentationml/2006/main">
-  <p:cSld>
-    <p:spTree>
-      <p:nvGrpSpPr>
-        <p:cNvPr id="1" name="Shape 96"/>
-        <p:cNvGrpSpPr/>
-        <p:nvPr/>
-      </p:nvGrpSpPr>
-      <p:grpSpPr>
-        <a:xfrm>
-          <a:off x="0" y="0"/>
-          <a:ext cx="0" cy="0"/>
-          <a:chOff x="0" y="0"/>
-          <a:chExt cx="0" cy="0"/>
-        </a:xfrm>
-      </p:grpSpPr>
-      <p:sp>
-        <p:nvSpPr>
-          <p:cNvPr id="104" name="Google Shape;104;p16"/>
-          <p:cNvSpPr txBox="1">
-            <a:spLocks noGrp="1"/>
-          </p:cNvSpPr>
-          <p:nvPr>
-            <p:ph type="title"/>
-          </p:nvPr>
-        </p:nvSpPr>
-        <p:spPr>
-          <a:xfrm>
-            <a:off x="457200" y="411475"/>
-            <a:ext cx="8229600" cy="481500"/>
-          </a:xfrm>
-          <a:prstGeom prst="rect">
-            <a:avLst/>
-          </a:prstGeom>
-        </p:spPr>
-        <p:txBody>
-          <a:bodyPr spcFirstLastPara="1" wrap="square" lIns="91425" tIns="91425" rIns="91425" bIns="91425" anchor="ctr" anchorCtr="0">
-            <a:noAutofit/>
-          </a:bodyPr>
-          <a:lstStyle/>
-          <a:p>
-            <a:pPr lvl="0"/>
-            <a:r>
-              <a:rPr lang="ko-KR" altLang="en-US" sz="2000" dirty="0" smtClean="0">
-                <a:solidFill>
-                  <a:schemeClr val="dk1"/>
-                </a:solidFill>
-                <a:latin typeface="HY헤드라인M" pitchFamily="18" charset="-127"/>
-                <a:ea typeface="HY헤드라인M" pitchFamily="18" charset="-127"/>
-              </a:rPr>
-              <a:t>주제</a:t>
-            </a:r>
-            <a:r>
-              <a:rPr lang="en-US" altLang="ko-KR" sz="2000" dirty="0" smtClean="0">
-                <a:solidFill>
-                  <a:schemeClr val="dk1"/>
-                </a:solidFill>
-                <a:latin typeface="HY헤드라인M" pitchFamily="18" charset="-127"/>
-                <a:ea typeface="HY헤드라인M" pitchFamily="18" charset="-127"/>
-              </a:rPr>
-              <a:t>1.</a:t>
-            </a:r>
-            <a:r>
-              <a:rPr lang="ko-KR" altLang="en-US" sz="2000" dirty="0" smtClean="0">
-                <a:solidFill>
-                  <a:schemeClr val="dk1"/>
-                </a:solidFill>
-                <a:latin typeface="HY헤드라인M" pitchFamily="18" charset="-127"/>
-                <a:ea typeface="HY헤드라인M" pitchFamily="18" charset="-127"/>
-              </a:rPr>
-              <a:t> 공약으로 출산을 언급한 정치인의 </a:t>
-            </a:r>
-            <a:r>
-              <a:rPr lang="ko-KR" altLang="en-US" sz="2000" dirty="0" err="1" smtClean="0">
-                <a:solidFill>
-                  <a:schemeClr val="dk1"/>
-                </a:solidFill>
-                <a:latin typeface="HY헤드라인M" pitchFamily="18" charset="-127"/>
-                <a:ea typeface="HY헤드라인M" pitchFamily="18" charset="-127"/>
-              </a:rPr>
-              <a:t>당선율이</a:t>
-            </a:r>
-            <a:r>
-              <a:rPr lang="ko-KR" altLang="en-US" sz="2000" dirty="0" smtClean="0">
-                <a:solidFill>
-                  <a:schemeClr val="dk1"/>
-                </a:solidFill>
-                <a:latin typeface="HY헤드라인M" pitchFamily="18" charset="-127"/>
-                <a:ea typeface="HY헤드라인M" pitchFamily="18" charset="-127"/>
-              </a:rPr>
-              <a:t> 높을까</a:t>
-            </a:r>
-            <a:r>
-              <a:rPr lang="en-US" altLang="ko-KR" sz="2000" dirty="0" smtClean="0">
-                <a:solidFill>
-                  <a:schemeClr val="dk1"/>
-                </a:solidFill>
-                <a:latin typeface="HY헤드라인M" pitchFamily="18" charset="-127"/>
-                <a:ea typeface="HY헤드라인M" pitchFamily="18" charset="-127"/>
-              </a:rPr>
-              <a:t>? </a:t>
-            </a:r>
-            <a:endParaRPr sz="2000">
-              <a:solidFill>
-                <a:schemeClr val="dk1"/>
-              </a:solidFill>
-              <a:latin typeface="HY헤드라인M" pitchFamily="18" charset="-127"/>
-              <a:ea typeface="HY헤드라인M" pitchFamily="18" charset="-127"/>
-            </a:endParaRPr>
-          </a:p>
-        </p:txBody>
-      </p:sp>
-      <p:pic>
-        <p:nvPicPr>
-          <p:cNvPr id="3074" name="Picture 2"/>
-          <p:cNvPicPr>
-            <a:picLocks noChangeAspect="1" noChangeArrowheads="1"/>
-          </p:cNvPicPr>
-          <p:nvPr/>
-        </p:nvPicPr>
-        <p:blipFill>
-          <a:blip r:embed="rId3"/>
-          <a:srcRect t="30725" r="42327"/>
-          <a:stretch>
-            <a:fillRect/>
-          </a:stretch>
-        </p:blipFill>
-        <p:spPr bwMode="auto">
-          <a:xfrm>
-            <a:off x="4309383" y="1480456"/>
-            <a:ext cx="4587875" cy="415699"/>
-          </a:xfrm>
-          <a:prstGeom prst="rect">
-            <a:avLst/>
-          </a:prstGeom>
-          <a:noFill/>
-          <a:ln w="9525">
-            <a:noFill/>
-            <a:miter lim="800000"/>
-            <a:headEnd/>
-            <a:tailEnd/>
-          </a:ln>
-          <a:effectLst/>
-        </p:spPr>
-      </p:pic>
-      <p:pic>
-        <p:nvPicPr>
-          <p:cNvPr id="3076" name="Picture 4"/>
-          <p:cNvPicPr>
-            <a:picLocks noChangeAspect="1" noChangeArrowheads="1"/>
-          </p:cNvPicPr>
-          <p:nvPr/>
-        </p:nvPicPr>
-        <p:blipFill>
-          <a:blip r:embed="rId4"/>
-          <a:srcRect/>
-          <a:stretch>
-            <a:fillRect/>
-          </a:stretch>
-        </p:blipFill>
-        <p:spPr bwMode="auto">
-          <a:xfrm>
-            <a:off x="5133521" y="2246540"/>
-            <a:ext cx="3086100" cy="876300"/>
-          </a:xfrm>
-          <a:prstGeom prst="rect">
-            <a:avLst/>
-          </a:prstGeom>
-          <a:noFill/>
-          <a:ln w="9525">
-            <a:noFill/>
-            <a:miter lim="800000"/>
-            <a:headEnd/>
-            <a:tailEnd/>
-          </a:ln>
-          <a:effectLst/>
-        </p:spPr>
-      </p:pic>
-      <p:pic>
-        <p:nvPicPr>
-          <p:cNvPr id="3077" name="Picture 5"/>
-          <p:cNvPicPr>
-            <a:picLocks noChangeAspect="1" noChangeArrowheads="1"/>
-          </p:cNvPicPr>
-          <p:nvPr/>
-        </p:nvPicPr>
-        <p:blipFill>
-          <a:blip r:embed="rId5"/>
-          <a:srcRect/>
-          <a:stretch>
-            <a:fillRect/>
-          </a:stretch>
-        </p:blipFill>
-        <p:spPr bwMode="auto">
-          <a:xfrm>
-            <a:off x="5167087" y="3460070"/>
-            <a:ext cx="3048000" cy="771525"/>
-          </a:xfrm>
-          <a:prstGeom prst="rect">
-            <a:avLst/>
-          </a:prstGeom>
-          <a:noFill/>
-          <a:ln w="9525">
-            <a:noFill/>
-            <a:miter lim="800000"/>
-            <a:headEnd/>
-            <a:tailEnd/>
-          </a:ln>
-          <a:effectLst/>
-        </p:spPr>
-      </p:pic>
-      <p:pic>
-        <p:nvPicPr>
-          <p:cNvPr id="9" name="Picture 5" descr="C:\RWork\StatProject\Distribution of 'dugyul' by 'isTopic'.png"/>
-          <p:cNvPicPr>
-            <a:picLocks noChangeAspect="1" noChangeArrowheads="1"/>
-          </p:cNvPicPr>
-          <p:nvPr/>
-        </p:nvPicPr>
-        <p:blipFill>
-          <a:blip r:embed="rId6"/>
-          <a:srcRect/>
-          <a:stretch>
-            <a:fillRect/>
-          </a:stretch>
-        </p:blipFill>
-        <p:spPr bwMode="auto">
-          <a:xfrm>
-            <a:off x="785361" y="1402445"/>
-            <a:ext cx="3235098" cy="3235099"/>
-          </a:xfrm>
-          <a:prstGeom prst="rect">
-            <a:avLst/>
-          </a:prstGeom>
-          <a:noFill/>
-        </p:spPr>
-      </p:pic>
-      <p:sp>
-        <p:nvSpPr>
-          <p:cNvPr id="10" name="TextBox 9"/>
-          <p:cNvSpPr txBox="1"/>
-          <p:nvPr/>
-        </p:nvSpPr>
-        <p:spPr>
-          <a:xfrm>
-            <a:off x="729465" y="1047964"/>
-            <a:ext cx="1311578" cy="307777"/>
-          </a:xfrm>
-          <a:prstGeom prst="rect">
-            <a:avLst/>
-          </a:prstGeom>
-          <a:noFill/>
-        </p:spPr>
-        <p:txBody>
-          <a:bodyPr wrap="none" rtlCol="0">
-            <a:spAutoFit/>
-          </a:bodyPr>
-          <a:lstStyle/>
-          <a:p>
-            <a:r>
-              <a:rPr lang="ko-KR" altLang="en-US" smtClean="0"/>
-              <a:t>정규분포 확인</a:t>
-            </a:r>
-            <a:endParaRPr lang="ko-KR" altLang="en-US"/>
-          </a:p>
-        </p:txBody>
-      </p:sp>
-    </p:spTree>
-  </p:cSld>
-  <p:clrMapOvr>
-    <a:masterClrMapping/>
-  </p:clrMapOvr>
-</p:sld>
-</file>
-
-<file path=ppt/slides/slide3.xml><?xml version="1.0" encoding="utf-8"?>
-<p:sld xmlns:a="http://schemas.openxmlformats.org/drawingml/2006/main" xmlns:r="http://schemas.openxmlformats.org/officeDocument/2006/relationships" xmlns:p="http://schemas.openxmlformats.org/presentationml/2006/main">
-  <p:cSld>
-    <p:spTree>
-      <p:nvGrpSpPr>
-        <p:cNvPr id="1" name="Shape 96"/>
-        <p:cNvGrpSpPr/>
-        <p:nvPr/>
-      </p:nvGrpSpPr>
-      <p:grpSpPr>
-        <a:xfrm>
-          <a:off x="0" y="0"/>
-          <a:ext cx="0" cy="0"/>
-          <a:chOff x="0" y="0"/>
-          <a:chExt cx="0" cy="0"/>
-        </a:xfrm>
-      </p:grpSpPr>
-      <p:sp>
-        <p:nvSpPr>
-          <p:cNvPr id="104" name="Google Shape;104;p16"/>
-          <p:cNvSpPr txBox="1">
-            <a:spLocks noGrp="1"/>
-          </p:cNvSpPr>
-          <p:nvPr>
-            <p:ph type="title"/>
-          </p:nvPr>
-        </p:nvSpPr>
-        <p:spPr>
-          <a:xfrm>
-            <a:off x="457200" y="411475"/>
-            <a:ext cx="8229600" cy="481500"/>
-          </a:xfrm>
-          <a:prstGeom prst="rect">
-            <a:avLst/>
-          </a:prstGeom>
-        </p:spPr>
-        <p:txBody>
-          <a:bodyPr spcFirstLastPara="1" wrap="square" lIns="91425" tIns="91425" rIns="91425" bIns="91425" anchor="ctr" anchorCtr="0">
-            <a:noAutofit/>
-          </a:bodyPr>
-          <a:lstStyle/>
-          <a:p>
-            <a:pPr lvl="0"/>
-            <a:r>
-              <a:rPr lang="ko-KR" altLang="en-US" sz="2000" dirty="0" smtClean="0">
-                <a:solidFill>
-                  <a:schemeClr val="dk1"/>
-                </a:solidFill>
-                <a:latin typeface="HY헤드라인M" pitchFamily="18" charset="-127"/>
-                <a:ea typeface="HY헤드라인M" pitchFamily="18" charset="-127"/>
-              </a:rPr>
-              <a:t>주제</a:t>
-            </a:r>
-            <a:r>
-              <a:rPr lang="en-US" altLang="ko-KR" sz="2000" dirty="0" smtClean="0">
-                <a:solidFill>
-                  <a:schemeClr val="dk1"/>
-                </a:solidFill>
-                <a:latin typeface="HY헤드라인M" pitchFamily="18" charset="-127"/>
-                <a:ea typeface="HY헤드라인M" pitchFamily="18" charset="-127"/>
-              </a:rPr>
-              <a:t>1.</a:t>
-            </a:r>
-            <a:r>
-              <a:rPr lang="ko-KR" altLang="en-US" sz="2000" dirty="0" smtClean="0">
-                <a:solidFill>
-                  <a:schemeClr val="dk1"/>
-                </a:solidFill>
-                <a:latin typeface="HY헤드라인M" pitchFamily="18" charset="-127"/>
-                <a:ea typeface="HY헤드라인M" pitchFamily="18" charset="-127"/>
-              </a:rPr>
-              <a:t> 공약으로 출산을 언급한 정치인의 </a:t>
-            </a:r>
-            <a:r>
-              <a:rPr lang="ko-KR" altLang="en-US" sz="2000" dirty="0" err="1" smtClean="0">
-                <a:solidFill>
-                  <a:schemeClr val="dk1"/>
-                </a:solidFill>
-                <a:latin typeface="HY헤드라인M" pitchFamily="18" charset="-127"/>
-                <a:ea typeface="HY헤드라인M" pitchFamily="18" charset="-127"/>
-              </a:rPr>
-              <a:t>당선율이</a:t>
-            </a:r>
-            <a:r>
-              <a:rPr lang="ko-KR" altLang="en-US" sz="2000" dirty="0" smtClean="0">
-                <a:solidFill>
-                  <a:schemeClr val="dk1"/>
-                </a:solidFill>
-                <a:latin typeface="HY헤드라인M" pitchFamily="18" charset="-127"/>
-                <a:ea typeface="HY헤드라인M" pitchFamily="18" charset="-127"/>
-              </a:rPr>
-              <a:t> 높을까</a:t>
-            </a:r>
-            <a:r>
-              <a:rPr lang="en-US" altLang="ko-KR" sz="2000" dirty="0" smtClean="0">
-                <a:solidFill>
-                  <a:schemeClr val="dk1"/>
-                </a:solidFill>
-                <a:latin typeface="HY헤드라인M" pitchFamily="18" charset="-127"/>
-                <a:ea typeface="HY헤드라인M" pitchFamily="18" charset="-127"/>
-              </a:rPr>
-              <a:t>? </a:t>
-            </a:r>
-            <a:endParaRPr sz="2000">
-              <a:solidFill>
-                <a:schemeClr val="dk1"/>
-              </a:solidFill>
-              <a:latin typeface="HY헤드라인M" pitchFamily="18" charset="-127"/>
-              <a:ea typeface="HY헤드라인M" pitchFamily="18" charset="-127"/>
-            </a:endParaRPr>
-          </a:p>
-        </p:txBody>
-      </p:sp>
-      <p:pic>
-        <p:nvPicPr>
-          <p:cNvPr id="4101" name="Picture 5"/>
-          <p:cNvPicPr>
-            <a:picLocks noChangeAspect="1" noChangeArrowheads="1"/>
-          </p:cNvPicPr>
-          <p:nvPr/>
-        </p:nvPicPr>
-        <p:blipFill>
-          <a:blip r:embed="rId3"/>
-          <a:srcRect/>
-          <a:stretch>
-            <a:fillRect/>
-          </a:stretch>
-        </p:blipFill>
-        <p:spPr bwMode="auto">
-          <a:xfrm>
-            <a:off x="361408" y="1456985"/>
-            <a:ext cx="2714625" cy="476250"/>
-          </a:xfrm>
-          <a:prstGeom prst="rect">
-            <a:avLst/>
-          </a:prstGeom>
-          <a:noFill/>
-          <a:ln w="9525">
-            <a:noFill/>
-            <a:miter lim="800000"/>
-            <a:headEnd/>
-            <a:tailEnd/>
-          </a:ln>
-          <a:effectLst/>
-        </p:spPr>
-      </p:pic>
-      <p:pic>
-        <p:nvPicPr>
-          <p:cNvPr id="4102" name="Picture 6"/>
-          <p:cNvPicPr>
-            <a:picLocks noChangeAspect="1" noChangeArrowheads="1"/>
-          </p:cNvPicPr>
-          <p:nvPr/>
-        </p:nvPicPr>
-        <p:blipFill>
-          <a:blip r:embed="rId4">
-            <a:lum contrast="-50000"/>
-          </a:blip>
-          <a:srcRect/>
-          <a:stretch>
-            <a:fillRect/>
-          </a:stretch>
-        </p:blipFill>
-        <p:spPr bwMode="auto">
-          <a:xfrm>
-            <a:off x="3387409" y="1422058"/>
-            <a:ext cx="5457825" cy="952500"/>
-          </a:xfrm>
-          <a:prstGeom prst="rect">
-            <a:avLst/>
-          </a:prstGeom>
-          <a:noFill/>
-          <a:ln w="9525">
-            <a:noFill/>
-            <a:miter lim="800000"/>
-            <a:headEnd/>
-            <a:tailEnd/>
-          </a:ln>
-          <a:effectLst/>
-        </p:spPr>
-      </p:pic>
-      <p:pic>
-        <p:nvPicPr>
-          <p:cNvPr id="15" name="Picture 6"/>
-          <p:cNvPicPr>
-            <a:picLocks noChangeAspect="1" noChangeArrowheads="1"/>
-          </p:cNvPicPr>
-          <p:nvPr/>
-        </p:nvPicPr>
-        <p:blipFill>
-          <a:blip r:embed="rId4"/>
-          <a:srcRect l="15566" t="50810" r="55979" b="29381"/>
-          <a:stretch>
-            <a:fillRect/>
-          </a:stretch>
-        </p:blipFill>
-        <p:spPr bwMode="auto">
-          <a:xfrm>
-            <a:off x="3982949" y="1855222"/>
-            <a:ext cx="2160000" cy="262430"/>
-          </a:xfrm>
-          <a:prstGeom prst="rect">
-            <a:avLst/>
-          </a:prstGeom>
-          <a:noFill/>
-          <a:ln w="9525">
-            <a:solidFill>
-              <a:srgbClr val="C00000"/>
-            </a:solidFill>
-            <a:miter lim="800000"/>
-            <a:headEnd/>
-            <a:tailEnd/>
-          </a:ln>
-          <a:effectLst/>
-        </p:spPr>
-      </p:pic>
-      <p:sp>
-        <p:nvSpPr>
-          <p:cNvPr id="18" name="TextBox 17"/>
-          <p:cNvSpPr txBox="1"/>
-          <p:nvPr/>
-        </p:nvSpPr>
-        <p:spPr>
-          <a:xfrm>
-            <a:off x="729465" y="1047964"/>
-            <a:ext cx="2079415" cy="307777"/>
-          </a:xfrm>
-          <a:prstGeom prst="rect">
-            <a:avLst/>
-          </a:prstGeom>
-          <a:noFill/>
-        </p:spPr>
-        <p:txBody>
-          <a:bodyPr wrap="none" rtlCol="0">
-            <a:spAutoFit/>
-          </a:bodyPr>
-          <a:lstStyle/>
-          <a:p>
-            <a:r>
-              <a:rPr lang="ko-KR" altLang="en-US" dirty="0" smtClean="0"/>
-              <a:t>정규분포를 따르지 않음</a:t>
-            </a:r>
-            <a:endParaRPr lang="en-US" altLang="ko-KR" dirty="0" smtClean="0"/>
-          </a:p>
-        </p:txBody>
-      </p:sp>
-    </p:spTree>
-  </p:cSld>
-  <p:clrMapOvr>
-    <a:masterClrMapping/>
-  </p:clrMapOvr>
-</p:sld>
-</file>
-
-<file path=ppt/slides/slide4.xml><?xml version="1.0" encoding="utf-8"?>
+<file path=ppt/slides/slide10.xml><?xml version="1.0" encoding="utf-8"?>
 <p:sld xmlns:a="http://schemas.openxmlformats.org/drawingml/2006/main" xmlns:r="http://schemas.openxmlformats.org/officeDocument/2006/relationships" xmlns:p="http://schemas.openxmlformats.org/presentationml/2006/main">
   <p:cSld>
     <p:spTree>
@@ -6463,6 +7278,2879 @@
             <a:r>
               <a:rPr lang="ko-KR" altLang="en-US" dirty="0" smtClean="0"/>
               <a:t>정규분포를 따른다고 가정</a:t>
+            </a:r>
+            <a:endParaRPr lang="en-US" altLang="ko-KR" dirty="0" smtClean="0"/>
+          </a:p>
+        </p:txBody>
+      </p:sp>
+    </p:spTree>
+  </p:cSld>
+  <p:clrMapOvr>
+    <a:masterClrMapping/>
+  </p:clrMapOvr>
+</p:sld>
+</file>
+
+<file path=ppt/slides/slide11.xml><?xml version="1.0" encoding="utf-8"?>
+<p:sld xmlns:a="http://schemas.openxmlformats.org/drawingml/2006/main" xmlns:r="http://schemas.openxmlformats.org/officeDocument/2006/relationships" xmlns:p="http://schemas.openxmlformats.org/presentationml/2006/main">
+  <p:cSld>
+    <p:spTree>
+      <p:nvGrpSpPr>
+        <p:cNvPr id="1" name="Shape 96"/>
+        <p:cNvGrpSpPr/>
+        <p:nvPr/>
+      </p:nvGrpSpPr>
+      <p:grpSpPr>
+        <a:xfrm>
+          <a:off x="0" y="0"/>
+          <a:ext cx="0" cy="0"/>
+          <a:chOff x="0" y="0"/>
+          <a:chExt cx="0" cy="0"/>
+        </a:xfrm>
+      </p:grpSpPr>
+      <p:sp>
+        <p:nvSpPr>
+          <p:cNvPr id="104" name="Google Shape;104;p16"/>
+          <p:cNvSpPr txBox="1">
+            <a:spLocks noGrp="1"/>
+          </p:cNvSpPr>
+          <p:nvPr>
+            <p:ph type="title"/>
+          </p:nvPr>
+        </p:nvSpPr>
+        <p:spPr>
+          <a:xfrm>
+            <a:off x="457200" y="411475"/>
+            <a:ext cx="8229600" cy="481500"/>
+          </a:xfrm>
+          <a:prstGeom prst="rect">
+            <a:avLst/>
+          </a:prstGeom>
+        </p:spPr>
+        <p:txBody>
+          <a:bodyPr spcFirstLastPara="1" wrap="square" lIns="91425" tIns="91425" rIns="91425" bIns="91425" anchor="ctr" anchorCtr="0">
+            <a:noAutofit/>
+          </a:bodyPr>
+          <a:lstStyle/>
+          <a:p>
+            <a:pPr lvl="0"/>
+            <a:r>
+              <a:rPr lang="ko-KR" altLang="en-US" sz="2000" dirty="0" smtClean="0">
+                <a:solidFill>
+                  <a:schemeClr val="dk1"/>
+                </a:solidFill>
+                <a:latin typeface="HY헤드라인M" pitchFamily="18" charset="-127"/>
+                <a:ea typeface="HY헤드라인M" pitchFamily="18" charset="-127"/>
+              </a:rPr>
+              <a:t>주제</a:t>
+            </a:r>
+            <a:r>
+              <a:rPr lang="en-US" altLang="ko-KR" sz="2000" dirty="0" smtClean="0">
+                <a:solidFill>
+                  <a:schemeClr val="dk1"/>
+                </a:solidFill>
+                <a:latin typeface="HY헤드라인M" pitchFamily="18" charset="-127"/>
+                <a:ea typeface="HY헤드라인M" pitchFamily="18" charset="-127"/>
+              </a:rPr>
+              <a:t>2</a:t>
+            </a:r>
+            <a:r>
+              <a:rPr lang="en-US" altLang="ko-KR" sz="2000" dirty="0" smtClean="0">
+                <a:solidFill>
+                  <a:schemeClr val="dk1"/>
+                </a:solidFill>
+                <a:latin typeface="HY헤드라인M" pitchFamily="18" charset="-127"/>
+                <a:ea typeface="HY헤드라인M" pitchFamily="18" charset="-127"/>
+              </a:rPr>
+              <a:t>.</a:t>
+            </a:r>
+            <a:r>
+              <a:rPr lang="ko-KR" altLang="en-US" sz="2000" dirty="0" smtClean="0">
+                <a:solidFill>
+                  <a:schemeClr val="dk1"/>
+                </a:solidFill>
+                <a:latin typeface="HY헤드라인M" pitchFamily="18" charset="-127"/>
+                <a:ea typeface="HY헤드라인M" pitchFamily="18" charset="-127"/>
+              </a:rPr>
+              <a:t> </a:t>
+            </a:r>
+            <a:r>
+              <a:rPr lang="ko-KR" altLang="en-US" sz="2000" dirty="0" smtClean="0">
+                <a:solidFill>
+                  <a:schemeClr val="dk1"/>
+                </a:solidFill>
+                <a:latin typeface="HY헤드라인M" pitchFamily="18" charset="-127"/>
+                <a:ea typeface="HY헤드라인M" pitchFamily="18" charset="-127"/>
+              </a:rPr>
+              <a:t>지역구별 합계출산율과 출산공약은 관계가 있을까</a:t>
+            </a:r>
+            <a:r>
+              <a:rPr lang="en-US" altLang="ko-KR" sz="2000" dirty="0" smtClean="0">
+                <a:solidFill>
+                  <a:schemeClr val="dk1"/>
+                </a:solidFill>
+                <a:latin typeface="HY헤드라인M" pitchFamily="18" charset="-127"/>
+                <a:ea typeface="HY헤드라인M" pitchFamily="18" charset="-127"/>
+              </a:rPr>
+              <a:t>?</a:t>
+            </a:r>
+            <a:r>
+              <a:rPr lang="en-US" altLang="ko-KR" sz="2000" dirty="0" smtClean="0">
+                <a:solidFill>
+                  <a:schemeClr val="dk1"/>
+                </a:solidFill>
+                <a:latin typeface="HY헤드라인M" pitchFamily="18" charset="-127"/>
+                <a:ea typeface="HY헤드라인M" pitchFamily="18" charset="-127"/>
+              </a:rPr>
+              <a:t> </a:t>
+            </a:r>
+            <a:endParaRPr sz="2000">
+              <a:solidFill>
+                <a:schemeClr val="dk1"/>
+              </a:solidFill>
+              <a:latin typeface="HY헤드라인M" pitchFamily="18" charset="-127"/>
+              <a:ea typeface="HY헤드라인M" pitchFamily="18" charset="-127"/>
+            </a:endParaRPr>
+          </a:p>
+        </p:txBody>
+      </p:sp>
+      <p:sp>
+        <p:nvSpPr>
+          <p:cNvPr id="8" name="TextBox 7"/>
+          <p:cNvSpPr txBox="1"/>
+          <p:nvPr/>
+        </p:nvSpPr>
+        <p:spPr>
+          <a:xfrm>
+            <a:off x="620485" y="927462"/>
+            <a:ext cx="3493264" cy="954107"/>
+          </a:xfrm>
+          <a:prstGeom prst="rect">
+            <a:avLst/>
+          </a:prstGeom>
+          <a:noFill/>
+        </p:spPr>
+        <p:txBody>
+          <a:bodyPr wrap="none" rtlCol="0">
+            <a:spAutoFit/>
+          </a:bodyPr>
+          <a:lstStyle/>
+          <a:p>
+            <a:r>
+              <a:rPr lang="ko-KR" altLang="en-US" dirty="0" smtClean="0"/>
+              <a:t>준비한 </a:t>
+            </a:r>
+            <a:r>
+              <a:rPr lang="ko-KR" altLang="en-US" dirty="0" err="1" smtClean="0"/>
+              <a:t>데이터셋</a:t>
+            </a:r>
+            <a:endParaRPr lang="en-US" altLang="ko-KR" dirty="0" smtClean="0"/>
+          </a:p>
+          <a:p>
+            <a:pPr marL="342900" indent="-342900">
+              <a:buAutoNum type="arabicPeriod"/>
+            </a:pPr>
+            <a:r>
+              <a:rPr lang="ko-KR" altLang="en-US" dirty="0" smtClean="0"/>
+              <a:t>시도별 합계출산율 </a:t>
+            </a:r>
+            <a:r>
+              <a:rPr lang="en-US" altLang="ko-KR" dirty="0" smtClean="0"/>
+              <a:t>(2000~2021)</a:t>
+            </a:r>
+          </a:p>
+          <a:p>
+            <a:pPr marL="342900" indent="-342900">
+              <a:buAutoNum type="arabicPeriod"/>
+            </a:pPr>
+            <a:r>
+              <a:rPr lang="ko-KR" altLang="en-US" dirty="0" smtClean="0"/>
+              <a:t>시도별 당선자 공약 정보</a:t>
+            </a:r>
+            <a:r>
+              <a:rPr lang="en-US" altLang="ko-KR" dirty="0" smtClean="0"/>
+              <a:t>(2017~2022)</a:t>
+            </a:r>
+          </a:p>
+          <a:p>
+            <a:pPr marL="342900" indent="-342900">
+              <a:buAutoNum type="arabicPeriod"/>
+            </a:pPr>
+            <a:r>
+              <a:rPr lang="en-US" altLang="ko-KR" dirty="0" smtClean="0"/>
+              <a:t>2017~2021</a:t>
+            </a:r>
+            <a:r>
+              <a:rPr lang="ko-KR" altLang="en-US" dirty="0" smtClean="0"/>
+              <a:t> 데이터 선택</a:t>
+            </a:r>
+            <a:endParaRPr lang="en-US" altLang="ko-KR" dirty="0" smtClean="0"/>
+          </a:p>
+        </p:txBody>
+      </p:sp>
+      <p:pic>
+        <p:nvPicPr>
+          <p:cNvPr id="1026" name="Picture 2"/>
+          <p:cNvPicPr>
+            <a:picLocks noChangeAspect="1" noChangeArrowheads="1"/>
+          </p:cNvPicPr>
+          <p:nvPr/>
+        </p:nvPicPr>
+        <p:blipFill>
+          <a:blip r:embed="rId3"/>
+          <a:srcRect/>
+          <a:stretch>
+            <a:fillRect/>
+          </a:stretch>
+        </p:blipFill>
+        <p:spPr bwMode="auto">
+          <a:xfrm>
+            <a:off x="1900571" y="1933303"/>
+            <a:ext cx="5634930" cy="3073037"/>
+          </a:xfrm>
+          <a:prstGeom prst="rect">
+            <a:avLst/>
+          </a:prstGeom>
+          <a:noFill/>
+          <a:ln w="9525">
+            <a:noFill/>
+            <a:miter lim="800000"/>
+            <a:headEnd/>
+            <a:tailEnd/>
+          </a:ln>
+          <a:effectLst/>
+        </p:spPr>
+      </p:pic>
+    </p:spTree>
+  </p:cSld>
+  <p:clrMapOvr>
+    <a:masterClrMapping/>
+  </p:clrMapOvr>
+</p:sld>
+</file>
+
+<file path=ppt/slides/slide12.xml><?xml version="1.0" encoding="utf-8"?>
+<p:sld xmlns:a="http://schemas.openxmlformats.org/drawingml/2006/main" xmlns:r="http://schemas.openxmlformats.org/officeDocument/2006/relationships" xmlns:p="http://schemas.openxmlformats.org/presentationml/2006/main">
+  <p:cSld>
+    <p:spTree>
+      <p:nvGrpSpPr>
+        <p:cNvPr id="1" name="Shape 96"/>
+        <p:cNvGrpSpPr/>
+        <p:nvPr/>
+      </p:nvGrpSpPr>
+      <p:grpSpPr>
+        <a:xfrm>
+          <a:off x="0" y="0"/>
+          <a:ext cx="0" cy="0"/>
+          <a:chOff x="0" y="0"/>
+          <a:chExt cx="0" cy="0"/>
+        </a:xfrm>
+      </p:grpSpPr>
+      <p:sp>
+        <p:nvSpPr>
+          <p:cNvPr id="104" name="Google Shape;104;p16"/>
+          <p:cNvSpPr txBox="1">
+            <a:spLocks noGrp="1"/>
+          </p:cNvSpPr>
+          <p:nvPr>
+            <p:ph type="title"/>
+          </p:nvPr>
+        </p:nvSpPr>
+        <p:spPr>
+          <a:xfrm>
+            <a:off x="457200" y="411475"/>
+            <a:ext cx="8229600" cy="481500"/>
+          </a:xfrm>
+          <a:prstGeom prst="rect">
+            <a:avLst/>
+          </a:prstGeom>
+        </p:spPr>
+        <p:txBody>
+          <a:bodyPr spcFirstLastPara="1" wrap="square" lIns="91425" tIns="91425" rIns="91425" bIns="91425" anchor="ctr" anchorCtr="0">
+            <a:noAutofit/>
+          </a:bodyPr>
+          <a:lstStyle/>
+          <a:p>
+            <a:pPr lvl="0"/>
+            <a:r>
+              <a:rPr lang="ko-KR" altLang="en-US" sz="2000" dirty="0" smtClean="0">
+                <a:solidFill>
+                  <a:schemeClr val="dk1"/>
+                </a:solidFill>
+                <a:latin typeface="HY헤드라인M" pitchFamily="18" charset="-127"/>
+                <a:ea typeface="HY헤드라인M" pitchFamily="18" charset="-127"/>
+              </a:rPr>
+              <a:t>주제</a:t>
+            </a:r>
+            <a:r>
+              <a:rPr lang="en-US" altLang="ko-KR" sz="2000" dirty="0" smtClean="0">
+                <a:solidFill>
+                  <a:schemeClr val="dk1"/>
+                </a:solidFill>
+                <a:latin typeface="HY헤드라인M" pitchFamily="18" charset="-127"/>
+                <a:ea typeface="HY헤드라인M" pitchFamily="18" charset="-127"/>
+              </a:rPr>
+              <a:t>2</a:t>
+            </a:r>
+            <a:r>
+              <a:rPr lang="en-US" altLang="ko-KR" sz="2000" dirty="0" smtClean="0">
+                <a:solidFill>
+                  <a:schemeClr val="dk1"/>
+                </a:solidFill>
+                <a:latin typeface="HY헤드라인M" pitchFamily="18" charset="-127"/>
+                <a:ea typeface="HY헤드라인M" pitchFamily="18" charset="-127"/>
+              </a:rPr>
+              <a:t>.</a:t>
+            </a:r>
+            <a:r>
+              <a:rPr lang="ko-KR" altLang="en-US" sz="2000" dirty="0" smtClean="0">
+                <a:solidFill>
+                  <a:schemeClr val="dk1"/>
+                </a:solidFill>
+                <a:latin typeface="HY헤드라인M" pitchFamily="18" charset="-127"/>
+                <a:ea typeface="HY헤드라인M" pitchFamily="18" charset="-127"/>
+              </a:rPr>
+              <a:t> </a:t>
+            </a:r>
+            <a:r>
+              <a:rPr lang="ko-KR" altLang="en-US" sz="2000" dirty="0" smtClean="0">
+                <a:solidFill>
+                  <a:schemeClr val="dk1"/>
+                </a:solidFill>
+                <a:latin typeface="HY헤드라인M" pitchFamily="18" charset="-127"/>
+                <a:ea typeface="HY헤드라인M" pitchFamily="18" charset="-127"/>
+              </a:rPr>
+              <a:t>지역구별 합계출산율과 출산공약은 관계가 있을까</a:t>
+            </a:r>
+            <a:r>
+              <a:rPr lang="en-US" altLang="ko-KR" sz="2000" dirty="0" smtClean="0">
+                <a:solidFill>
+                  <a:schemeClr val="dk1"/>
+                </a:solidFill>
+                <a:latin typeface="HY헤드라인M" pitchFamily="18" charset="-127"/>
+                <a:ea typeface="HY헤드라인M" pitchFamily="18" charset="-127"/>
+              </a:rPr>
+              <a:t>?</a:t>
+            </a:r>
+            <a:r>
+              <a:rPr lang="en-US" altLang="ko-KR" sz="2000" dirty="0" smtClean="0">
+                <a:solidFill>
+                  <a:schemeClr val="dk1"/>
+                </a:solidFill>
+                <a:latin typeface="HY헤드라인M" pitchFamily="18" charset="-127"/>
+                <a:ea typeface="HY헤드라인M" pitchFamily="18" charset="-127"/>
+              </a:rPr>
+              <a:t> </a:t>
+            </a:r>
+            <a:endParaRPr sz="2000">
+              <a:solidFill>
+                <a:schemeClr val="dk1"/>
+              </a:solidFill>
+              <a:latin typeface="HY헤드라인M" pitchFamily="18" charset="-127"/>
+              <a:ea typeface="HY헤드라인M" pitchFamily="18" charset="-127"/>
+            </a:endParaRPr>
+          </a:p>
+        </p:txBody>
+      </p:sp>
+      <p:pic>
+        <p:nvPicPr>
+          <p:cNvPr id="2051" name="Picture 3" descr="C:\RWork\StatProject\시도별 합계출산율과 선거 당선자 공약의 출산 포함 비율 간의 관계성.png"/>
+          <p:cNvPicPr>
+            <a:picLocks noChangeAspect="1" noChangeArrowheads="1"/>
+          </p:cNvPicPr>
+          <p:nvPr/>
+        </p:nvPicPr>
+        <p:blipFill>
+          <a:blip r:embed="rId3"/>
+          <a:srcRect/>
+          <a:stretch>
+            <a:fillRect/>
+          </a:stretch>
+        </p:blipFill>
+        <p:spPr bwMode="auto">
+          <a:xfrm>
+            <a:off x="571500" y="981075"/>
+            <a:ext cx="3943350" cy="3943350"/>
+          </a:xfrm>
+          <a:prstGeom prst="rect">
+            <a:avLst/>
+          </a:prstGeom>
+          <a:noFill/>
+        </p:spPr>
+      </p:pic>
+      <p:sp>
+        <p:nvSpPr>
+          <p:cNvPr id="7" name="TextBox 6"/>
+          <p:cNvSpPr txBox="1"/>
+          <p:nvPr/>
+        </p:nvSpPr>
+        <p:spPr>
+          <a:xfrm>
+            <a:off x="4878160" y="1184637"/>
+            <a:ext cx="2706190" cy="1169551"/>
+          </a:xfrm>
+          <a:prstGeom prst="rect">
+            <a:avLst/>
+          </a:prstGeom>
+          <a:noFill/>
+        </p:spPr>
+        <p:txBody>
+          <a:bodyPr wrap="none" rtlCol="0">
+            <a:spAutoFit/>
+          </a:bodyPr>
+          <a:lstStyle/>
+          <a:p>
+            <a:r>
+              <a:rPr lang="ko-KR" altLang="en-US" dirty="0" smtClean="0"/>
+              <a:t>약한 음의 관계가 존재한다</a:t>
+            </a:r>
+            <a:r>
+              <a:rPr lang="en-US" altLang="ko-KR" dirty="0" smtClean="0"/>
+              <a:t>.</a:t>
+            </a:r>
+          </a:p>
+          <a:p>
+            <a:r>
+              <a:rPr lang="ko-KR" altLang="en-US" dirty="0" smtClean="0"/>
+              <a:t>크게 관계가 </a:t>
+            </a:r>
+            <a:r>
+              <a:rPr lang="ko-KR" altLang="en-US" dirty="0" err="1" smtClean="0"/>
+              <a:t>없는걸까</a:t>
+            </a:r>
+            <a:r>
+              <a:rPr lang="en-US" altLang="ko-KR" dirty="0" smtClean="0"/>
+              <a:t>?</a:t>
+            </a:r>
+          </a:p>
+          <a:p>
+            <a:endParaRPr lang="en-US" altLang="ko-KR" dirty="0" smtClean="0"/>
+          </a:p>
+          <a:p>
+            <a:r>
+              <a:rPr lang="en-US" altLang="ko-KR" dirty="0" smtClean="0"/>
+              <a:t>2022</a:t>
+            </a:r>
+            <a:r>
+              <a:rPr lang="ko-KR" altLang="en-US" dirty="0" smtClean="0"/>
+              <a:t>년 합계 출산율을 추측해서</a:t>
+            </a:r>
+            <a:endParaRPr lang="en-US" altLang="ko-KR" dirty="0" smtClean="0"/>
+          </a:p>
+          <a:p>
+            <a:r>
+              <a:rPr lang="ko-KR" altLang="en-US" dirty="0" smtClean="0"/>
+              <a:t>선거공약 데이터를 더 넣어보자</a:t>
+            </a:r>
+            <a:endParaRPr lang="en-US" altLang="ko-KR" dirty="0" smtClean="0"/>
+          </a:p>
+        </p:txBody>
+      </p:sp>
+    </p:spTree>
+  </p:cSld>
+  <p:clrMapOvr>
+    <a:masterClrMapping/>
+  </p:clrMapOvr>
+</p:sld>
+</file>
+
+<file path=ppt/slides/slide13.xml><?xml version="1.0" encoding="utf-8"?>
+<p:sld xmlns:a="http://schemas.openxmlformats.org/drawingml/2006/main" xmlns:r="http://schemas.openxmlformats.org/officeDocument/2006/relationships" xmlns:p="http://schemas.openxmlformats.org/presentationml/2006/main">
+  <p:cSld>
+    <p:spTree>
+      <p:nvGrpSpPr>
+        <p:cNvPr id="1" name="Shape 96"/>
+        <p:cNvGrpSpPr/>
+        <p:nvPr/>
+      </p:nvGrpSpPr>
+      <p:grpSpPr>
+        <a:xfrm>
+          <a:off x="0" y="0"/>
+          <a:ext cx="0" cy="0"/>
+          <a:chOff x="0" y="0"/>
+          <a:chExt cx="0" cy="0"/>
+        </a:xfrm>
+      </p:grpSpPr>
+      <p:sp>
+        <p:nvSpPr>
+          <p:cNvPr id="104" name="Google Shape;104;p16"/>
+          <p:cNvSpPr txBox="1">
+            <a:spLocks noGrp="1"/>
+          </p:cNvSpPr>
+          <p:nvPr>
+            <p:ph type="title"/>
+          </p:nvPr>
+        </p:nvSpPr>
+        <p:spPr>
+          <a:xfrm>
+            <a:off x="457200" y="411475"/>
+            <a:ext cx="8229600" cy="481500"/>
+          </a:xfrm>
+          <a:prstGeom prst="rect">
+            <a:avLst/>
+          </a:prstGeom>
+        </p:spPr>
+        <p:txBody>
+          <a:bodyPr spcFirstLastPara="1" wrap="square" lIns="91425" tIns="91425" rIns="91425" bIns="91425" anchor="ctr" anchorCtr="0">
+            <a:noAutofit/>
+          </a:bodyPr>
+          <a:lstStyle/>
+          <a:p>
+            <a:pPr lvl="0"/>
+            <a:r>
+              <a:rPr lang="ko-KR" altLang="en-US" sz="2000" dirty="0" smtClean="0">
+                <a:solidFill>
+                  <a:schemeClr val="dk1"/>
+                </a:solidFill>
+                <a:latin typeface="HY헤드라인M" pitchFamily="18" charset="-127"/>
+                <a:ea typeface="HY헤드라인M" pitchFamily="18" charset="-127"/>
+              </a:rPr>
+              <a:t>주제</a:t>
+            </a:r>
+            <a:r>
+              <a:rPr lang="en-US" altLang="ko-KR" sz="2000" dirty="0" smtClean="0">
+                <a:solidFill>
+                  <a:schemeClr val="dk1"/>
+                </a:solidFill>
+                <a:latin typeface="HY헤드라인M" pitchFamily="18" charset="-127"/>
+                <a:ea typeface="HY헤드라인M" pitchFamily="18" charset="-127"/>
+              </a:rPr>
+              <a:t>2</a:t>
+            </a:r>
+            <a:r>
+              <a:rPr lang="en-US" altLang="ko-KR" sz="2000" dirty="0" smtClean="0">
+                <a:solidFill>
+                  <a:schemeClr val="dk1"/>
+                </a:solidFill>
+                <a:latin typeface="HY헤드라인M" pitchFamily="18" charset="-127"/>
+                <a:ea typeface="HY헤드라인M" pitchFamily="18" charset="-127"/>
+              </a:rPr>
+              <a:t>.</a:t>
+            </a:r>
+            <a:r>
+              <a:rPr lang="ko-KR" altLang="en-US" sz="2000" dirty="0" smtClean="0">
+                <a:solidFill>
+                  <a:schemeClr val="dk1"/>
+                </a:solidFill>
+                <a:latin typeface="HY헤드라인M" pitchFamily="18" charset="-127"/>
+                <a:ea typeface="HY헤드라인M" pitchFamily="18" charset="-127"/>
+              </a:rPr>
+              <a:t> </a:t>
+            </a:r>
+            <a:r>
+              <a:rPr lang="ko-KR" altLang="en-US" sz="2000" dirty="0" smtClean="0">
+                <a:solidFill>
+                  <a:schemeClr val="dk1"/>
+                </a:solidFill>
+                <a:latin typeface="HY헤드라인M" pitchFamily="18" charset="-127"/>
+                <a:ea typeface="HY헤드라인M" pitchFamily="18" charset="-127"/>
+              </a:rPr>
+              <a:t>지역구별 합계출산율과 출산공약은 관계가 있을까</a:t>
+            </a:r>
+            <a:r>
+              <a:rPr lang="en-US" altLang="ko-KR" sz="2000" dirty="0" smtClean="0">
+                <a:solidFill>
+                  <a:schemeClr val="dk1"/>
+                </a:solidFill>
+                <a:latin typeface="HY헤드라인M" pitchFamily="18" charset="-127"/>
+                <a:ea typeface="HY헤드라인M" pitchFamily="18" charset="-127"/>
+              </a:rPr>
+              <a:t>?</a:t>
+            </a:r>
+            <a:r>
+              <a:rPr lang="en-US" altLang="ko-KR" sz="2000" dirty="0" smtClean="0">
+                <a:solidFill>
+                  <a:schemeClr val="dk1"/>
+                </a:solidFill>
+                <a:latin typeface="HY헤드라인M" pitchFamily="18" charset="-127"/>
+                <a:ea typeface="HY헤드라인M" pitchFamily="18" charset="-127"/>
+              </a:rPr>
+              <a:t> </a:t>
+            </a:r>
+            <a:endParaRPr sz="2000">
+              <a:solidFill>
+                <a:schemeClr val="dk1"/>
+              </a:solidFill>
+              <a:latin typeface="HY헤드라인M" pitchFamily="18" charset="-127"/>
+              <a:ea typeface="HY헤드라인M" pitchFamily="18" charset="-127"/>
+            </a:endParaRPr>
+          </a:p>
+        </p:txBody>
+      </p:sp>
+      <p:sp>
+        <p:nvSpPr>
+          <p:cNvPr id="7" name="TextBox 6"/>
+          <p:cNvSpPr txBox="1"/>
+          <p:nvPr/>
+        </p:nvSpPr>
+        <p:spPr>
+          <a:xfrm>
+            <a:off x="4878160" y="1184637"/>
+            <a:ext cx="3164649" cy="954107"/>
+          </a:xfrm>
+          <a:prstGeom prst="rect">
+            <a:avLst/>
+          </a:prstGeom>
+          <a:noFill/>
+        </p:spPr>
+        <p:txBody>
+          <a:bodyPr wrap="none" rtlCol="0">
+            <a:spAutoFit/>
+          </a:bodyPr>
+          <a:lstStyle/>
+          <a:p>
+            <a:r>
+              <a:rPr lang="en-US" altLang="ko-KR" dirty="0" smtClean="0"/>
+              <a:t>2016</a:t>
+            </a:r>
+            <a:r>
+              <a:rPr lang="ko-KR" altLang="en-US" dirty="0" smtClean="0"/>
+              <a:t>년 이후 지속적인 감소 추세 확인</a:t>
+            </a:r>
+            <a:endParaRPr lang="en-US" altLang="ko-KR" dirty="0" smtClean="0"/>
+          </a:p>
+          <a:p>
+            <a:endParaRPr lang="en-US" altLang="ko-KR" dirty="0" smtClean="0"/>
+          </a:p>
+          <a:p>
+            <a:r>
+              <a:rPr lang="en-US" altLang="ko-KR" dirty="0" smtClean="0"/>
+              <a:t>2016~2021</a:t>
+            </a:r>
+            <a:r>
+              <a:rPr lang="ko-KR" altLang="en-US" dirty="0" smtClean="0"/>
+              <a:t>년 합계출산율로</a:t>
+            </a:r>
+            <a:endParaRPr lang="en-US" altLang="ko-KR" dirty="0" smtClean="0"/>
+          </a:p>
+          <a:p>
+            <a:r>
+              <a:rPr lang="en-US" altLang="ko-KR" dirty="0" smtClean="0"/>
+              <a:t>2022</a:t>
+            </a:r>
+            <a:r>
+              <a:rPr lang="ko-KR" altLang="en-US" dirty="0" smtClean="0"/>
+              <a:t>년 합계출산율을 예측</a:t>
+            </a:r>
+            <a:endParaRPr lang="en-US" altLang="ko-KR" dirty="0" smtClean="0"/>
+          </a:p>
+        </p:txBody>
+      </p:sp>
+      <p:pic>
+        <p:nvPicPr>
+          <p:cNvPr id="3074" name="Picture 2" descr="C:\RWork\StatProject\각 지역별 합계출산율 시계열 그래프.png"/>
+          <p:cNvPicPr>
+            <a:picLocks noChangeAspect="1" noChangeArrowheads="1"/>
+          </p:cNvPicPr>
+          <p:nvPr/>
+        </p:nvPicPr>
+        <p:blipFill>
+          <a:blip r:embed="rId3"/>
+          <a:srcRect/>
+          <a:stretch>
+            <a:fillRect/>
+          </a:stretch>
+        </p:blipFill>
+        <p:spPr bwMode="auto">
+          <a:xfrm>
+            <a:off x="685800" y="933450"/>
+            <a:ext cx="3933825" cy="3933825"/>
+          </a:xfrm>
+          <a:prstGeom prst="rect">
+            <a:avLst/>
+          </a:prstGeom>
+          <a:noFill/>
+        </p:spPr>
+      </p:pic>
+    </p:spTree>
+  </p:cSld>
+  <p:clrMapOvr>
+    <a:masterClrMapping/>
+  </p:clrMapOvr>
+</p:sld>
+</file>
+
+<file path=ppt/slides/slide14.xml><?xml version="1.0" encoding="utf-8"?>
+<p:sld xmlns:a="http://schemas.openxmlformats.org/drawingml/2006/main" xmlns:r="http://schemas.openxmlformats.org/officeDocument/2006/relationships" xmlns:p="http://schemas.openxmlformats.org/presentationml/2006/main">
+  <p:cSld>
+    <p:spTree>
+      <p:nvGrpSpPr>
+        <p:cNvPr id="1" name="Shape 96"/>
+        <p:cNvGrpSpPr/>
+        <p:nvPr/>
+      </p:nvGrpSpPr>
+      <p:grpSpPr>
+        <a:xfrm>
+          <a:off x="0" y="0"/>
+          <a:ext cx="0" cy="0"/>
+          <a:chOff x="0" y="0"/>
+          <a:chExt cx="0" cy="0"/>
+        </a:xfrm>
+      </p:grpSpPr>
+      <p:sp>
+        <p:nvSpPr>
+          <p:cNvPr id="104" name="Google Shape;104;p16"/>
+          <p:cNvSpPr txBox="1">
+            <a:spLocks noGrp="1"/>
+          </p:cNvSpPr>
+          <p:nvPr>
+            <p:ph type="title"/>
+          </p:nvPr>
+        </p:nvSpPr>
+        <p:spPr>
+          <a:xfrm>
+            <a:off x="457200" y="411475"/>
+            <a:ext cx="8229600" cy="481500"/>
+          </a:xfrm>
+          <a:prstGeom prst="rect">
+            <a:avLst/>
+          </a:prstGeom>
+        </p:spPr>
+        <p:txBody>
+          <a:bodyPr spcFirstLastPara="1" wrap="square" lIns="91425" tIns="91425" rIns="91425" bIns="91425" anchor="ctr" anchorCtr="0">
+            <a:noAutofit/>
+          </a:bodyPr>
+          <a:lstStyle/>
+          <a:p>
+            <a:pPr lvl="0"/>
+            <a:r>
+              <a:rPr lang="ko-KR" altLang="en-US" sz="2000" dirty="0" smtClean="0">
+                <a:solidFill>
+                  <a:schemeClr val="dk1"/>
+                </a:solidFill>
+                <a:latin typeface="HY헤드라인M" pitchFamily="18" charset="-127"/>
+                <a:ea typeface="HY헤드라인M" pitchFamily="18" charset="-127"/>
+              </a:rPr>
+              <a:t>주제</a:t>
+            </a:r>
+            <a:r>
+              <a:rPr lang="en-US" altLang="ko-KR" sz="2000" dirty="0" smtClean="0">
+                <a:solidFill>
+                  <a:schemeClr val="dk1"/>
+                </a:solidFill>
+                <a:latin typeface="HY헤드라인M" pitchFamily="18" charset="-127"/>
+                <a:ea typeface="HY헤드라인M" pitchFamily="18" charset="-127"/>
+              </a:rPr>
+              <a:t>2</a:t>
+            </a:r>
+            <a:r>
+              <a:rPr lang="en-US" altLang="ko-KR" sz="2000" dirty="0" smtClean="0">
+                <a:solidFill>
+                  <a:schemeClr val="dk1"/>
+                </a:solidFill>
+                <a:latin typeface="HY헤드라인M" pitchFamily="18" charset="-127"/>
+                <a:ea typeface="HY헤드라인M" pitchFamily="18" charset="-127"/>
+              </a:rPr>
+              <a:t>.</a:t>
+            </a:r>
+            <a:r>
+              <a:rPr lang="ko-KR" altLang="en-US" sz="2000" dirty="0" smtClean="0">
+                <a:solidFill>
+                  <a:schemeClr val="dk1"/>
+                </a:solidFill>
+                <a:latin typeface="HY헤드라인M" pitchFamily="18" charset="-127"/>
+                <a:ea typeface="HY헤드라인M" pitchFamily="18" charset="-127"/>
+              </a:rPr>
+              <a:t> </a:t>
+            </a:r>
+            <a:r>
+              <a:rPr lang="ko-KR" altLang="en-US" sz="2000" dirty="0" smtClean="0">
+                <a:solidFill>
+                  <a:schemeClr val="dk1"/>
+                </a:solidFill>
+                <a:latin typeface="HY헤드라인M" pitchFamily="18" charset="-127"/>
+                <a:ea typeface="HY헤드라인M" pitchFamily="18" charset="-127"/>
+              </a:rPr>
+              <a:t>지역구별 합계출산율과 출산공약은 관계가 있을까</a:t>
+            </a:r>
+            <a:r>
+              <a:rPr lang="en-US" altLang="ko-KR" sz="2000" dirty="0" smtClean="0">
+                <a:solidFill>
+                  <a:schemeClr val="dk1"/>
+                </a:solidFill>
+                <a:latin typeface="HY헤드라인M" pitchFamily="18" charset="-127"/>
+                <a:ea typeface="HY헤드라인M" pitchFamily="18" charset="-127"/>
+              </a:rPr>
+              <a:t>?</a:t>
+            </a:r>
+            <a:r>
+              <a:rPr lang="en-US" altLang="ko-KR" sz="2000" dirty="0" smtClean="0">
+                <a:solidFill>
+                  <a:schemeClr val="dk1"/>
+                </a:solidFill>
+                <a:latin typeface="HY헤드라인M" pitchFamily="18" charset="-127"/>
+                <a:ea typeface="HY헤드라인M" pitchFamily="18" charset="-127"/>
+              </a:rPr>
+              <a:t> </a:t>
+            </a:r>
+            <a:endParaRPr sz="2000">
+              <a:solidFill>
+                <a:schemeClr val="dk1"/>
+              </a:solidFill>
+              <a:latin typeface="HY헤드라인M" pitchFamily="18" charset="-127"/>
+              <a:ea typeface="HY헤드라인M" pitchFamily="18" charset="-127"/>
+            </a:endParaRPr>
+          </a:p>
+        </p:txBody>
+      </p:sp>
+      <p:pic>
+        <p:nvPicPr>
+          <p:cNvPr id="4098" name="Picture 2"/>
+          <p:cNvPicPr>
+            <a:picLocks noChangeAspect="1" noChangeArrowheads="1"/>
+          </p:cNvPicPr>
+          <p:nvPr/>
+        </p:nvPicPr>
+        <p:blipFill>
+          <a:blip r:embed="rId3"/>
+          <a:srcRect/>
+          <a:stretch>
+            <a:fillRect/>
+          </a:stretch>
+        </p:blipFill>
+        <p:spPr bwMode="auto">
+          <a:xfrm>
+            <a:off x="123825" y="1254671"/>
+            <a:ext cx="5316537" cy="3307803"/>
+          </a:xfrm>
+          <a:prstGeom prst="rect">
+            <a:avLst/>
+          </a:prstGeom>
+          <a:noFill/>
+          <a:ln w="9525">
+            <a:noFill/>
+            <a:miter lim="800000"/>
+            <a:headEnd/>
+            <a:tailEnd/>
+          </a:ln>
+          <a:effectLst/>
+        </p:spPr>
+      </p:pic>
+      <p:pic>
+        <p:nvPicPr>
+          <p:cNvPr id="4099" name="Picture 3" descr="C:\RWork\StatProject\2022년 합계출산율 예측값과, 발표 된 잠정 합계출산율 비교.png"/>
+          <p:cNvPicPr>
+            <a:picLocks noChangeAspect="1" noChangeArrowheads="1"/>
+          </p:cNvPicPr>
+          <p:nvPr/>
+        </p:nvPicPr>
+        <p:blipFill>
+          <a:blip r:embed="rId4"/>
+          <a:srcRect/>
+          <a:stretch>
+            <a:fillRect/>
+          </a:stretch>
+        </p:blipFill>
+        <p:spPr bwMode="auto">
+          <a:xfrm>
+            <a:off x="5429251" y="1104900"/>
+            <a:ext cx="3629024" cy="3629024"/>
+          </a:xfrm>
+          <a:prstGeom prst="rect">
+            <a:avLst/>
+          </a:prstGeom>
+          <a:noFill/>
+        </p:spPr>
+      </p:pic>
+    </p:spTree>
+  </p:cSld>
+  <p:clrMapOvr>
+    <a:masterClrMapping/>
+  </p:clrMapOvr>
+</p:sld>
+</file>
+
+<file path=ppt/slides/slide15.xml><?xml version="1.0" encoding="utf-8"?>
+<p:sld xmlns:a="http://schemas.openxmlformats.org/drawingml/2006/main" xmlns:r="http://schemas.openxmlformats.org/officeDocument/2006/relationships" xmlns:p="http://schemas.openxmlformats.org/presentationml/2006/main">
+  <p:cSld>
+    <p:spTree>
+      <p:nvGrpSpPr>
+        <p:cNvPr id="1" name="Shape 96"/>
+        <p:cNvGrpSpPr/>
+        <p:nvPr/>
+      </p:nvGrpSpPr>
+      <p:grpSpPr>
+        <a:xfrm>
+          <a:off x="0" y="0"/>
+          <a:ext cx="0" cy="0"/>
+          <a:chOff x="0" y="0"/>
+          <a:chExt cx="0" cy="0"/>
+        </a:xfrm>
+      </p:grpSpPr>
+      <p:sp>
+        <p:nvSpPr>
+          <p:cNvPr id="104" name="Google Shape;104;p16"/>
+          <p:cNvSpPr txBox="1">
+            <a:spLocks noGrp="1"/>
+          </p:cNvSpPr>
+          <p:nvPr>
+            <p:ph type="title"/>
+          </p:nvPr>
+        </p:nvSpPr>
+        <p:spPr>
+          <a:xfrm>
+            <a:off x="457200" y="411475"/>
+            <a:ext cx="8229600" cy="481500"/>
+          </a:xfrm>
+          <a:prstGeom prst="rect">
+            <a:avLst/>
+          </a:prstGeom>
+        </p:spPr>
+        <p:txBody>
+          <a:bodyPr spcFirstLastPara="1" wrap="square" lIns="91425" tIns="91425" rIns="91425" bIns="91425" anchor="ctr" anchorCtr="0">
+            <a:noAutofit/>
+          </a:bodyPr>
+          <a:lstStyle/>
+          <a:p>
+            <a:pPr lvl="0"/>
+            <a:r>
+              <a:rPr lang="ko-KR" altLang="en-US" sz="2000" dirty="0" smtClean="0">
+                <a:solidFill>
+                  <a:schemeClr val="dk1"/>
+                </a:solidFill>
+                <a:latin typeface="HY헤드라인M" pitchFamily="18" charset="-127"/>
+                <a:ea typeface="HY헤드라인M" pitchFamily="18" charset="-127"/>
+              </a:rPr>
+              <a:t>주제</a:t>
+            </a:r>
+            <a:r>
+              <a:rPr lang="en-US" altLang="ko-KR" sz="2000" dirty="0" smtClean="0">
+                <a:solidFill>
+                  <a:schemeClr val="dk1"/>
+                </a:solidFill>
+                <a:latin typeface="HY헤드라인M" pitchFamily="18" charset="-127"/>
+                <a:ea typeface="HY헤드라인M" pitchFamily="18" charset="-127"/>
+              </a:rPr>
+              <a:t>2</a:t>
+            </a:r>
+            <a:r>
+              <a:rPr lang="en-US" altLang="ko-KR" sz="2000" dirty="0" smtClean="0">
+                <a:solidFill>
+                  <a:schemeClr val="dk1"/>
+                </a:solidFill>
+                <a:latin typeface="HY헤드라인M" pitchFamily="18" charset="-127"/>
+                <a:ea typeface="HY헤드라인M" pitchFamily="18" charset="-127"/>
+              </a:rPr>
+              <a:t>.</a:t>
+            </a:r>
+            <a:r>
+              <a:rPr lang="ko-KR" altLang="en-US" sz="2000" dirty="0" smtClean="0">
+                <a:solidFill>
+                  <a:schemeClr val="dk1"/>
+                </a:solidFill>
+                <a:latin typeface="HY헤드라인M" pitchFamily="18" charset="-127"/>
+                <a:ea typeface="HY헤드라인M" pitchFamily="18" charset="-127"/>
+              </a:rPr>
+              <a:t> </a:t>
+            </a:r>
+            <a:r>
+              <a:rPr lang="ko-KR" altLang="en-US" sz="2000" dirty="0" smtClean="0">
+                <a:solidFill>
+                  <a:schemeClr val="dk1"/>
+                </a:solidFill>
+                <a:latin typeface="HY헤드라인M" pitchFamily="18" charset="-127"/>
+                <a:ea typeface="HY헤드라인M" pitchFamily="18" charset="-127"/>
+              </a:rPr>
+              <a:t>지역구별 합계출산율과 출산공약은 관계가 있을까</a:t>
+            </a:r>
+            <a:r>
+              <a:rPr lang="en-US" altLang="ko-KR" sz="2000" dirty="0" smtClean="0">
+                <a:solidFill>
+                  <a:schemeClr val="dk1"/>
+                </a:solidFill>
+                <a:latin typeface="HY헤드라인M" pitchFamily="18" charset="-127"/>
+                <a:ea typeface="HY헤드라인M" pitchFamily="18" charset="-127"/>
+              </a:rPr>
+              <a:t>?</a:t>
+            </a:r>
+            <a:r>
+              <a:rPr lang="en-US" altLang="ko-KR" sz="2000" dirty="0" smtClean="0">
+                <a:solidFill>
+                  <a:schemeClr val="dk1"/>
+                </a:solidFill>
+                <a:latin typeface="HY헤드라인M" pitchFamily="18" charset="-127"/>
+                <a:ea typeface="HY헤드라인M" pitchFamily="18" charset="-127"/>
+              </a:rPr>
+              <a:t> </a:t>
+            </a:r>
+            <a:endParaRPr sz="2000">
+              <a:solidFill>
+                <a:schemeClr val="dk1"/>
+              </a:solidFill>
+              <a:latin typeface="HY헤드라인M" pitchFamily="18" charset="-127"/>
+              <a:ea typeface="HY헤드라인M" pitchFamily="18" charset="-127"/>
+            </a:endParaRPr>
+          </a:p>
+        </p:txBody>
+      </p:sp>
+      <p:pic>
+        <p:nvPicPr>
+          <p:cNvPr id="5122" name="Picture 2"/>
+          <p:cNvPicPr>
+            <a:picLocks noChangeAspect="1" noChangeArrowheads="1"/>
+          </p:cNvPicPr>
+          <p:nvPr/>
+        </p:nvPicPr>
+        <p:blipFill>
+          <a:blip r:embed="rId3"/>
+          <a:srcRect/>
+          <a:stretch>
+            <a:fillRect/>
+          </a:stretch>
+        </p:blipFill>
+        <p:spPr bwMode="auto">
+          <a:xfrm>
+            <a:off x="1103314" y="877378"/>
+            <a:ext cx="6907212" cy="4094672"/>
+          </a:xfrm>
+          <a:prstGeom prst="rect">
+            <a:avLst/>
+          </a:prstGeom>
+          <a:noFill/>
+          <a:ln w="9525">
+            <a:noFill/>
+            <a:miter lim="800000"/>
+            <a:headEnd/>
+            <a:tailEnd/>
+          </a:ln>
+          <a:effectLst/>
+        </p:spPr>
+      </p:pic>
+    </p:spTree>
+  </p:cSld>
+  <p:clrMapOvr>
+    <a:masterClrMapping/>
+  </p:clrMapOvr>
+</p:sld>
+</file>
+
+<file path=ppt/slides/slide16.xml><?xml version="1.0" encoding="utf-8"?>
+<p:sld xmlns:a="http://schemas.openxmlformats.org/drawingml/2006/main" xmlns:r="http://schemas.openxmlformats.org/officeDocument/2006/relationships" xmlns:p="http://schemas.openxmlformats.org/presentationml/2006/main">
+  <p:cSld>
+    <p:spTree>
+      <p:nvGrpSpPr>
+        <p:cNvPr id="1" name="Shape 96"/>
+        <p:cNvGrpSpPr/>
+        <p:nvPr/>
+      </p:nvGrpSpPr>
+      <p:grpSpPr>
+        <a:xfrm>
+          <a:off x="0" y="0"/>
+          <a:ext cx="0" cy="0"/>
+          <a:chOff x="0" y="0"/>
+          <a:chExt cx="0" cy="0"/>
+        </a:xfrm>
+      </p:grpSpPr>
+      <p:sp>
+        <p:nvSpPr>
+          <p:cNvPr id="104" name="Google Shape;104;p16"/>
+          <p:cNvSpPr txBox="1">
+            <a:spLocks noGrp="1"/>
+          </p:cNvSpPr>
+          <p:nvPr>
+            <p:ph type="title"/>
+          </p:nvPr>
+        </p:nvSpPr>
+        <p:spPr>
+          <a:xfrm>
+            <a:off x="457200" y="411475"/>
+            <a:ext cx="8229600" cy="481500"/>
+          </a:xfrm>
+          <a:prstGeom prst="rect">
+            <a:avLst/>
+          </a:prstGeom>
+        </p:spPr>
+        <p:txBody>
+          <a:bodyPr spcFirstLastPara="1" wrap="square" lIns="91425" tIns="91425" rIns="91425" bIns="91425" anchor="ctr" anchorCtr="0">
+            <a:noAutofit/>
+          </a:bodyPr>
+          <a:lstStyle/>
+          <a:p>
+            <a:pPr lvl="0"/>
+            <a:r>
+              <a:rPr lang="ko-KR" altLang="en-US" sz="2000" dirty="0" smtClean="0">
+                <a:solidFill>
+                  <a:schemeClr val="dk1"/>
+                </a:solidFill>
+                <a:latin typeface="HY헤드라인M" pitchFamily="18" charset="-127"/>
+                <a:ea typeface="HY헤드라인M" pitchFamily="18" charset="-127"/>
+              </a:rPr>
+              <a:t>주제</a:t>
+            </a:r>
+            <a:r>
+              <a:rPr lang="en-US" altLang="ko-KR" sz="2000" dirty="0" smtClean="0">
+                <a:solidFill>
+                  <a:schemeClr val="dk1"/>
+                </a:solidFill>
+                <a:latin typeface="HY헤드라인M" pitchFamily="18" charset="-127"/>
+                <a:ea typeface="HY헤드라인M" pitchFamily="18" charset="-127"/>
+              </a:rPr>
+              <a:t>2</a:t>
+            </a:r>
+            <a:r>
+              <a:rPr lang="en-US" altLang="ko-KR" sz="2000" dirty="0" smtClean="0">
+                <a:solidFill>
+                  <a:schemeClr val="dk1"/>
+                </a:solidFill>
+                <a:latin typeface="HY헤드라인M" pitchFamily="18" charset="-127"/>
+                <a:ea typeface="HY헤드라인M" pitchFamily="18" charset="-127"/>
+              </a:rPr>
+              <a:t>.</a:t>
+            </a:r>
+            <a:r>
+              <a:rPr lang="ko-KR" altLang="en-US" sz="2000" dirty="0" smtClean="0">
+                <a:solidFill>
+                  <a:schemeClr val="dk1"/>
+                </a:solidFill>
+                <a:latin typeface="HY헤드라인M" pitchFamily="18" charset="-127"/>
+                <a:ea typeface="HY헤드라인M" pitchFamily="18" charset="-127"/>
+              </a:rPr>
+              <a:t> </a:t>
+            </a:r>
+            <a:r>
+              <a:rPr lang="ko-KR" altLang="en-US" sz="2000" dirty="0" smtClean="0">
+                <a:solidFill>
+                  <a:schemeClr val="dk1"/>
+                </a:solidFill>
+                <a:latin typeface="HY헤드라인M" pitchFamily="18" charset="-127"/>
+                <a:ea typeface="HY헤드라인M" pitchFamily="18" charset="-127"/>
+              </a:rPr>
+              <a:t>지역구별 합계출산율과 출산공약은 관계가 있을까</a:t>
+            </a:r>
+            <a:r>
+              <a:rPr lang="en-US" altLang="ko-KR" sz="2000" dirty="0" smtClean="0">
+                <a:solidFill>
+                  <a:schemeClr val="dk1"/>
+                </a:solidFill>
+                <a:latin typeface="HY헤드라인M" pitchFamily="18" charset="-127"/>
+                <a:ea typeface="HY헤드라인M" pitchFamily="18" charset="-127"/>
+              </a:rPr>
+              <a:t>?</a:t>
+            </a:r>
+            <a:r>
+              <a:rPr lang="en-US" altLang="ko-KR" sz="2000" dirty="0" smtClean="0">
+                <a:solidFill>
+                  <a:schemeClr val="dk1"/>
+                </a:solidFill>
+                <a:latin typeface="HY헤드라인M" pitchFamily="18" charset="-127"/>
+                <a:ea typeface="HY헤드라인M" pitchFamily="18" charset="-127"/>
+              </a:rPr>
+              <a:t> </a:t>
+            </a:r>
+            <a:endParaRPr sz="2000">
+              <a:solidFill>
+                <a:schemeClr val="dk1"/>
+              </a:solidFill>
+              <a:latin typeface="HY헤드라인M" pitchFamily="18" charset="-127"/>
+              <a:ea typeface="HY헤드라인M" pitchFamily="18" charset="-127"/>
+            </a:endParaRPr>
+          </a:p>
+        </p:txBody>
+      </p:sp>
+      <p:pic>
+        <p:nvPicPr>
+          <p:cNvPr id="6146" name="Picture 2" descr="C:\RWork\StatProject\시도별 합계출산율과 선거 당선자 공약의 출산 포함 비율 간의 관계성_2022.png"/>
+          <p:cNvPicPr>
+            <a:picLocks noChangeAspect="1" noChangeArrowheads="1"/>
+          </p:cNvPicPr>
+          <p:nvPr/>
+        </p:nvPicPr>
+        <p:blipFill>
+          <a:blip r:embed="rId3"/>
+          <a:srcRect/>
+          <a:stretch>
+            <a:fillRect/>
+          </a:stretch>
+        </p:blipFill>
+        <p:spPr bwMode="auto">
+          <a:xfrm>
+            <a:off x="609600" y="895350"/>
+            <a:ext cx="4086225" cy="4086225"/>
+          </a:xfrm>
+          <a:prstGeom prst="rect">
+            <a:avLst/>
+          </a:prstGeom>
+          <a:noFill/>
+        </p:spPr>
+      </p:pic>
+      <p:sp>
+        <p:nvSpPr>
+          <p:cNvPr id="5" name="TextBox 4"/>
+          <p:cNvSpPr txBox="1"/>
+          <p:nvPr/>
+        </p:nvSpPr>
+        <p:spPr>
+          <a:xfrm>
+            <a:off x="4878160" y="1184637"/>
+            <a:ext cx="4222631" cy="3323987"/>
+          </a:xfrm>
+          <a:prstGeom prst="rect">
+            <a:avLst/>
+          </a:prstGeom>
+          <a:noFill/>
+        </p:spPr>
+        <p:txBody>
+          <a:bodyPr wrap="none" rtlCol="0">
+            <a:spAutoFit/>
+          </a:bodyPr>
+          <a:lstStyle/>
+          <a:p>
+            <a:r>
+              <a:rPr lang="en-US" altLang="ko-KR" dirty="0" smtClean="0"/>
+              <a:t>0.25</a:t>
+            </a:r>
+            <a:r>
+              <a:rPr lang="ko-KR" altLang="en-US" dirty="0" smtClean="0"/>
+              <a:t>에서 </a:t>
+            </a:r>
+            <a:r>
+              <a:rPr lang="en-US" altLang="ko-KR" dirty="0" smtClean="0"/>
+              <a:t>0.32</a:t>
+            </a:r>
+            <a:r>
+              <a:rPr lang="ko-KR" altLang="en-US" dirty="0" smtClean="0"/>
+              <a:t>로 더 짙은 음의 관계로 변화하였다</a:t>
+            </a:r>
+            <a:r>
+              <a:rPr lang="en-US" altLang="ko-KR" dirty="0" smtClean="0"/>
+              <a:t>.</a:t>
+            </a:r>
+          </a:p>
+          <a:p>
+            <a:endParaRPr lang="en-US" altLang="ko-KR" dirty="0" smtClean="0"/>
+          </a:p>
+          <a:p>
+            <a:r>
+              <a:rPr lang="ko-KR" altLang="en-US" dirty="0" smtClean="0"/>
+              <a:t>합계출산율과 당선인들의 출산공약은</a:t>
+            </a:r>
+            <a:endParaRPr lang="en-US" altLang="ko-KR" dirty="0" smtClean="0"/>
+          </a:p>
+          <a:p>
+            <a:r>
+              <a:rPr lang="ko-KR" altLang="en-US" dirty="0" smtClean="0"/>
+              <a:t>점점 더 관계성을 보이고 있음을 확인 할 수 있었다</a:t>
+            </a:r>
+            <a:r>
+              <a:rPr lang="en-US" altLang="ko-KR" dirty="0" smtClean="0"/>
+              <a:t>.</a:t>
+            </a:r>
+          </a:p>
+          <a:p>
+            <a:endParaRPr lang="en-US" altLang="ko-KR" dirty="0" smtClean="0"/>
+          </a:p>
+          <a:p>
+            <a:r>
+              <a:rPr lang="ko-KR" altLang="en-US" dirty="0" smtClean="0"/>
+              <a:t>하지만 출산 공약은 </a:t>
+            </a:r>
+            <a:r>
+              <a:rPr lang="ko-KR" altLang="en-US" dirty="0" err="1" smtClean="0"/>
+              <a:t>당선율에는</a:t>
+            </a:r>
+            <a:endParaRPr lang="en-US" altLang="ko-KR" dirty="0" smtClean="0"/>
+          </a:p>
+          <a:p>
+            <a:r>
+              <a:rPr lang="ko-KR" altLang="en-US" dirty="0" smtClean="0"/>
+              <a:t>영향을 끼치지 않는다</a:t>
+            </a:r>
+            <a:r>
+              <a:rPr lang="en-US" altLang="ko-KR" dirty="0" smtClean="0"/>
+              <a:t>.</a:t>
+            </a:r>
+          </a:p>
+          <a:p>
+            <a:endParaRPr lang="en-US" altLang="ko-KR" dirty="0" smtClean="0"/>
+          </a:p>
+          <a:p>
+            <a:r>
+              <a:rPr lang="ko-KR" altLang="en-US" dirty="0" err="1" smtClean="0"/>
+              <a:t>어쩌구</a:t>
+            </a:r>
+            <a:r>
+              <a:rPr lang="ko-KR" altLang="en-US" dirty="0" smtClean="0"/>
+              <a:t> </a:t>
+            </a:r>
+            <a:r>
+              <a:rPr lang="ko-KR" altLang="en-US" dirty="0" err="1" smtClean="0"/>
+              <a:t>저쩌구</a:t>
+            </a:r>
+            <a:endParaRPr lang="en-US" altLang="ko-KR" dirty="0" smtClean="0"/>
+          </a:p>
+          <a:p>
+            <a:endParaRPr lang="en-US" altLang="ko-KR" dirty="0" smtClean="0"/>
+          </a:p>
+          <a:p>
+            <a:r>
+              <a:rPr lang="ko-KR" altLang="en-US" dirty="0" smtClean="0"/>
+              <a:t>따라서 </a:t>
+            </a:r>
+            <a:r>
+              <a:rPr lang="ko-KR" altLang="en-US" dirty="0" err="1" smtClean="0"/>
+              <a:t>저출산</a:t>
+            </a:r>
+            <a:r>
+              <a:rPr lang="ko-KR" altLang="en-US" dirty="0" smtClean="0"/>
+              <a:t> 정부 대책의 인식을 개선해야 할</a:t>
+            </a:r>
+            <a:endParaRPr lang="en-US" altLang="ko-KR" dirty="0" smtClean="0"/>
+          </a:p>
+          <a:p>
+            <a:r>
+              <a:rPr lang="ko-KR" altLang="en-US" dirty="0" smtClean="0"/>
+              <a:t>필요성이 있으며</a:t>
+            </a:r>
+            <a:endParaRPr lang="en-US" altLang="ko-KR" dirty="0" smtClean="0"/>
+          </a:p>
+          <a:p>
+            <a:endParaRPr lang="en-US" altLang="ko-KR" dirty="0" smtClean="0"/>
+          </a:p>
+          <a:p>
+            <a:r>
+              <a:rPr lang="ko-KR" altLang="en-US" dirty="0" smtClean="0"/>
+              <a:t>우리는 이에 따라</a:t>
+            </a:r>
+            <a:endParaRPr lang="en-US" altLang="ko-KR" dirty="0" smtClean="0"/>
+          </a:p>
+          <a:p>
+            <a:r>
+              <a:rPr lang="ko-KR" altLang="en-US" dirty="0" err="1" smtClean="0"/>
+              <a:t>어쩌구</a:t>
+            </a:r>
+            <a:r>
+              <a:rPr lang="ko-KR" altLang="en-US" dirty="0" smtClean="0"/>
+              <a:t> </a:t>
+            </a:r>
+            <a:r>
+              <a:rPr lang="ko-KR" altLang="en-US" dirty="0" err="1" smtClean="0"/>
+              <a:t>저쩌구를</a:t>
+            </a:r>
+            <a:r>
+              <a:rPr lang="ko-KR" altLang="en-US" dirty="0" smtClean="0"/>
+              <a:t> 제안하고자 한다</a:t>
+            </a:r>
+            <a:r>
+              <a:rPr lang="en-US" altLang="ko-KR" dirty="0" smtClean="0"/>
+              <a:t>.</a:t>
+            </a:r>
+          </a:p>
+        </p:txBody>
+      </p:sp>
+    </p:spTree>
+  </p:cSld>
+  <p:clrMapOvr>
+    <a:masterClrMapping/>
+  </p:clrMapOvr>
+</p:sld>
+</file>
+
+<file path=ppt/slides/slide17.xml><?xml version="1.0" encoding="utf-8"?>
+<p:sld xmlns:a="http://schemas.openxmlformats.org/drawingml/2006/main" xmlns:r="http://schemas.openxmlformats.org/officeDocument/2006/relationships" xmlns:p="http://schemas.openxmlformats.org/presentationml/2006/main">
+  <p:cSld>
+    <p:spTree>
+      <p:nvGrpSpPr>
+        <p:cNvPr id="1" name="Shape 96"/>
+        <p:cNvGrpSpPr/>
+        <p:nvPr/>
+      </p:nvGrpSpPr>
+      <p:grpSpPr>
+        <a:xfrm>
+          <a:off x="0" y="0"/>
+          <a:ext cx="0" cy="0"/>
+          <a:chOff x="0" y="0"/>
+          <a:chExt cx="0" cy="0"/>
+        </a:xfrm>
+      </p:grpSpPr>
+      <p:pic>
+        <p:nvPicPr>
+          <p:cNvPr id="7170" name="Picture 2" descr="C:\Users\acorn\Desktop\비즈니스 관점.png"/>
+          <p:cNvPicPr>
+            <a:picLocks noChangeAspect="1" noChangeArrowheads="1"/>
+          </p:cNvPicPr>
+          <p:nvPr/>
+        </p:nvPicPr>
+        <p:blipFill>
+          <a:blip r:embed="rId3"/>
+          <a:srcRect/>
+          <a:stretch>
+            <a:fillRect/>
+          </a:stretch>
+        </p:blipFill>
+        <p:spPr bwMode="auto">
+          <a:xfrm>
+            <a:off x="200025" y="185737"/>
+            <a:ext cx="8618538" cy="4833938"/>
+          </a:xfrm>
+          <a:prstGeom prst="rect">
+            <a:avLst/>
+          </a:prstGeom>
+          <a:noFill/>
+        </p:spPr>
+      </p:pic>
+    </p:spTree>
+  </p:cSld>
+  <p:clrMapOvr>
+    <a:masterClrMapping/>
+  </p:clrMapOvr>
+</p:sld>
+</file>
+
+<file path=ppt/slides/slide2.xml><?xml version="1.0" encoding="utf-8"?>
+<p:sld xmlns:a="http://schemas.openxmlformats.org/drawingml/2006/main" xmlns:r="http://schemas.openxmlformats.org/officeDocument/2006/relationships" xmlns:p="http://schemas.openxmlformats.org/presentationml/2006/main">
+  <p:cSld>
+    <p:spTree>
+      <p:nvGrpSpPr>
+        <p:cNvPr id="1" name="Shape 96"/>
+        <p:cNvGrpSpPr/>
+        <p:nvPr/>
+      </p:nvGrpSpPr>
+      <p:grpSpPr>
+        <a:xfrm>
+          <a:off x="0" y="0"/>
+          <a:ext cx="0" cy="0"/>
+          <a:chOff x="0" y="0"/>
+          <a:chExt cx="0" cy="0"/>
+        </a:xfrm>
+      </p:grpSpPr>
+      <p:sp>
+        <p:nvSpPr>
+          <p:cNvPr id="104" name="Google Shape;104;p16"/>
+          <p:cNvSpPr txBox="1">
+            <a:spLocks noGrp="1"/>
+          </p:cNvSpPr>
+          <p:nvPr>
+            <p:ph type="title"/>
+          </p:nvPr>
+        </p:nvSpPr>
+        <p:spPr>
+          <a:xfrm>
+            <a:off x="457200" y="411475"/>
+            <a:ext cx="8229600" cy="481500"/>
+          </a:xfrm>
+          <a:prstGeom prst="rect">
+            <a:avLst/>
+          </a:prstGeom>
+        </p:spPr>
+        <p:txBody>
+          <a:bodyPr spcFirstLastPara="1" wrap="square" lIns="91425" tIns="91425" rIns="91425" bIns="91425" anchor="ctr" anchorCtr="0">
+            <a:noAutofit/>
+          </a:bodyPr>
+          <a:lstStyle/>
+          <a:p>
+            <a:pPr lvl="0"/>
+            <a:r>
+              <a:rPr lang="ko-KR" altLang="en-US" sz="2000" dirty="0" smtClean="0">
+                <a:solidFill>
+                  <a:schemeClr val="dk1"/>
+                </a:solidFill>
+                <a:latin typeface="HY헤드라인M" pitchFamily="18" charset="-127"/>
+                <a:ea typeface="HY헤드라인M" pitchFamily="18" charset="-127"/>
+              </a:rPr>
+              <a:t>선거 공약 데이터를 활용한 워드 </a:t>
+            </a:r>
+            <a:r>
+              <a:rPr lang="ko-KR" altLang="en-US" sz="2000" dirty="0" err="1" smtClean="0">
+                <a:solidFill>
+                  <a:schemeClr val="dk1"/>
+                </a:solidFill>
+                <a:latin typeface="HY헤드라인M" pitchFamily="18" charset="-127"/>
+                <a:ea typeface="HY헤드라인M" pitchFamily="18" charset="-127"/>
+              </a:rPr>
+              <a:t>클라우드</a:t>
+            </a:r>
+            <a:r>
+              <a:rPr lang="en-US" altLang="ko-KR" sz="2000" dirty="0" smtClean="0">
+                <a:solidFill>
+                  <a:schemeClr val="dk1"/>
+                </a:solidFill>
+                <a:latin typeface="HY헤드라인M" pitchFamily="18" charset="-127"/>
+                <a:ea typeface="HY헤드라인M" pitchFamily="18" charset="-127"/>
+              </a:rPr>
+              <a:t>1. </a:t>
+            </a:r>
+            <a:r>
+              <a:rPr lang="ko-KR" altLang="en-US" sz="2000" dirty="0" err="1" smtClean="0">
+                <a:solidFill>
+                  <a:schemeClr val="dk1"/>
+                </a:solidFill>
+                <a:latin typeface="HY헤드라인M" pitchFamily="18" charset="-127"/>
+                <a:ea typeface="HY헤드라인M" pitchFamily="18" charset="-127"/>
+              </a:rPr>
+              <a:t>저출산</a:t>
+            </a:r>
+            <a:endParaRPr sz="2000">
+              <a:solidFill>
+                <a:schemeClr val="dk1"/>
+              </a:solidFill>
+              <a:latin typeface="HY헤드라인M" pitchFamily="18" charset="-127"/>
+              <a:ea typeface="HY헤드라인M" pitchFamily="18" charset="-127"/>
+            </a:endParaRPr>
+          </a:p>
+        </p:txBody>
+      </p:sp>
+      <p:pic>
+        <p:nvPicPr>
+          <p:cNvPr id="9" name="Picture 8" descr="C:\PythonWork\PycharmWork\ProjectTeam1\data\csv\gf_저출산_word_30.png"/>
+          <p:cNvPicPr>
+            <a:picLocks noChangeAspect="1" noChangeArrowheads="1"/>
+          </p:cNvPicPr>
+          <p:nvPr/>
+        </p:nvPicPr>
+        <p:blipFill>
+          <a:blip r:embed="rId3"/>
+          <a:srcRect/>
+          <a:stretch>
+            <a:fillRect/>
+          </a:stretch>
+        </p:blipFill>
+        <p:spPr bwMode="auto">
+          <a:xfrm>
+            <a:off x="4756934" y="1123094"/>
+            <a:ext cx="3600000" cy="3600000"/>
+          </a:xfrm>
+          <a:prstGeom prst="rect">
+            <a:avLst/>
+          </a:prstGeom>
+          <a:noFill/>
+        </p:spPr>
+      </p:pic>
+      <p:pic>
+        <p:nvPicPr>
+          <p:cNvPr id="10" name="Picture 9" descr="C:\PythonWork\PycharmWork\ProjectTeam1\data\csv\gf_저출산_all_30.png"/>
+          <p:cNvPicPr>
+            <a:picLocks noChangeAspect="1" noChangeArrowheads="1"/>
+          </p:cNvPicPr>
+          <p:nvPr/>
+        </p:nvPicPr>
+        <p:blipFill>
+          <a:blip r:embed="rId4"/>
+          <a:srcRect/>
+          <a:stretch>
+            <a:fillRect/>
+          </a:stretch>
+        </p:blipFill>
+        <p:spPr bwMode="auto">
+          <a:xfrm>
+            <a:off x="647272" y="1071724"/>
+            <a:ext cx="3600000" cy="3600000"/>
+          </a:xfrm>
+          <a:prstGeom prst="rect">
+            <a:avLst/>
+          </a:prstGeom>
+          <a:noFill/>
+        </p:spPr>
+      </p:pic>
+    </p:spTree>
+  </p:cSld>
+  <p:clrMapOvr>
+    <a:masterClrMapping/>
+  </p:clrMapOvr>
+</p:sld>
+</file>
+
+<file path=ppt/slides/slide3.xml><?xml version="1.0" encoding="utf-8"?>
+<p:sld xmlns:a="http://schemas.openxmlformats.org/drawingml/2006/main" xmlns:r="http://schemas.openxmlformats.org/officeDocument/2006/relationships" xmlns:p="http://schemas.openxmlformats.org/presentationml/2006/main">
+  <p:cSld>
+    <p:spTree>
+      <p:nvGrpSpPr>
+        <p:cNvPr id="1" name="Shape 96"/>
+        <p:cNvGrpSpPr/>
+        <p:nvPr/>
+      </p:nvGrpSpPr>
+      <p:grpSpPr>
+        <a:xfrm>
+          <a:off x="0" y="0"/>
+          <a:ext cx="0" cy="0"/>
+          <a:chOff x="0" y="0"/>
+          <a:chExt cx="0" cy="0"/>
+        </a:xfrm>
+      </p:grpSpPr>
+      <p:sp>
+        <p:nvSpPr>
+          <p:cNvPr id="104" name="Google Shape;104;p16"/>
+          <p:cNvSpPr txBox="1">
+            <a:spLocks noGrp="1"/>
+          </p:cNvSpPr>
+          <p:nvPr>
+            <p:ph type="title"/>
+          </p:nvPr>
+        </p:nvSpPr>
+        <p:spPr>
+          <a:xfrm>
+            <a:off x="457200" y="411475"/>
+            <a:ext cx="8229600" cy="481500"/>
+          </a:xfrm>
+          <a:prstGeom prst="rect">
+            <a:avLst/>
+          </a:prstGeom>
+        </p:spPr>
+        <p:txBody>
+          <a:bodyPr spcFirstLastPara="1" wrap="square" lIns="91425" tIns="91425" rIns="91425" bIns="91425" anchor="ctr" anchorCtr="0">
+            <a:noAutofit/>
+          </a:bodyPr>
+          <a:lstStyle/>
+          <a:p>
+            <a:pPr lvl="0"/>
+            <a:r>
+              <a:rPr lang="ko-KR" altLang="en-US" sz="2000" dirty="0" smtClean="0">
+                <a:solidFill>
+                  <a:schemeClr val="dk1"/>
+                </a:solidFill>
+                <a:latin typeface="HY헤드라인M" pitchFamily="18" charset="-127"/>
+                <a:ea typeface="HY헤드라인M" pitchFamily="18" charset="-127"/>
+              </a:rPr>
+              <a:t>선거 공약 데이터를 활용한 워드 </a:t>
+            </a:r>
+            <a:r>
+              <a:rPr lang="ko-KR" altLang="en-US" sz="2000" dirty="0" err="1" smtClean="0">
+                <a:solidFill>
+                  <a:schemeClr val="dk1"/>
+                </a:solidFill>
+                <a:latin typeface="HY헤드라인M" pitchFamily="18" charset="-127"/>
+                <a:ea typeface="HY헤드라인M" pitchFamily="18" charset="-127"/>
+              </a:rPr>
+              <a:t>클라우드</a:t>
+            </a:r>
+            <a:r>
+              <a:rPr lang="en-US" altLang="ko-KR" sz="2000" dirty="0" smtClean="0">
+                <a:solidFill>
+                  <a:schemeClr val="dk1"/>
+                </a:solidFill>
+                <a:latin typeface="HY헤드라인M" pitchFamily="18" charset="-127"/>
+                <a:ea typeface="HY헤드라인M" pitchFamily="18" charset="-127"/>
+              </a:rPr>
+              <a:t>2. </a:t>
+            </a:r>
+            <a:r>
+              <a:rPr lang="ko-KR" altLang="en-US" sz="2000" dirty="0" smtClean="0">
+                <a:solidFill>
+                  <a:schemeClr val="dk1"/>
+                </a:solidFill>
+                <a:latin typeface="HY헤드라인M" pitchFamily="18" charset="-127"/>
+                <a:ea typeface="HY헤드라인M" pitchFamily="18" charset="-127"/>
+              </a:rPr>
+              <a:t>출산율</a:t>
+            </a:r>
+            <a:endParaRPr sz="2000">
+              <a:solidFill>
+                <a:schemeClr val="dk1"/>
+              </a:solidFill>
+              <a:latin typeface="HY헤드라인M" pitchFamily="18" charset="-127"/>
+              <a:ea typeface="HY헤드라인M" pitchFamily="18" charset="-127"/>
+            </a:endParaRPr>
+          </a:p>
+        </p:txBody>
+      </p:sp>
+      <p:pic>
+        <p:nvPicPr>
+          <p:cNvPr id="5126" name="Picture 6" descr="C:\PythonWork\PycharmWork\ProjectTeam1\data\csv\출산율_est_word.png"/>
+          <p:cNvPicPr>
+            <a:picLocks noChangeAspect="1" noChangeArrowheads="1"/>
+          </p:cNvPicPr>
+          <p:nvPr/>
+        </p:nvPicPr>
+        <p:blipFill>
+          <a:blip r:embed="rId3"/>
+          <a:srcRect/>
+          <a:stretch>
+            <a:fillRect/>
+          </a:stretch>
+        </p:blipFill>
+        <p:spPr bwMode="auto">
+          <a:xfrm>
+            <a:off x="4789524" y="1225675"/>
+            <a:ext cx="3909012" cy="3600000"/>
+          </a:xfrm>
+          <a:prstGeom prst="rect">
+            <a:avLst/>
+          </a:prstGeom>
+          <a:noFill/>
+        </p:spPr>
+      </p:pic>
+      <p:pic>
+        <p:nvPicPr>
+          <p:cNvPr id="5127" name="Picture 7" descr="C:\PythonWork\PycharmWork\ProjectTeam1\data\csv\출산율_est_all.png"/>
+          <p:cNvPicPr>
+            <a:picLocks noChangeAspect="1" noChangeArrowheads="1"/>
+          </p:cNvPicPr>
+          <p:nvPr/>
+        </p:nvPicPr>
+        <p:blipFill>
+          <a:blip r:embed="rId4"/>
+          <a:srcRect/>
+          <a:stretch>
+            <a:fillRect/>
+          </a:stretch>
+        </p:blipFill>
+        <p:spPr bwMode="auto">
+          <a:xfrm>
+            <a:off x="544531" y="1215400"/>
+            <a:ext cx="3909012" cy="3600000"/>
+          </a:xfrm>
+          <a:prstGeom prst="rect">
+            <a:avLst/>
+          </a:prstGeom>
+          <a:noFill/>
+        </p:spPr>
+      </p:pic>
+    </p:spTree>
+  </p:cSld>
+  <p:clrMapOvr>
+    <a:masterClrMapping/>
+  </p:clrMapOvr>
+</p:sld>
+</file>
+
+<file path=ppt/slides/slide4.xml><?xml version="1.0" encoding="utf-8"?>
+<p:sld xmlns:a="http://schemas.openxmlformats.org/drawingml/2006/main" xmlns:r="http://schemas.openxmlformats.org/officeDocument/2006/relationships" xmlns:p="http://schemas.openxmlformats.org/presentationml/2006/main">
+  <p:cSld>
+    <p:spTree>
+      <p:nvGrpSpPr>
+        <p:cNvPr id="1" name="Shape 96"/>
+        <p:cNvGrpSpPr/>
+        <p:nvPr/>
+      </p:nvGrpSpPr>
+      <p:grpSpPr>
+        <a:xfrm>
+          <a:off x="0" y="0"/>
+          <a:ext cx="0" cy="0"/>
+          <a:chOff x="0" y="0"/>
+          <a:chExt cx="0" cy="0"/>
+        </a:xfrm>
+      </p:grpSpPr>
+      <p:sp>
+        <p:nvSpPr>
+          <p:cNvPr id="104" name="Google Shape;104;p16"/>
+          <p:cNvSpPr txBox="1">
+            <a:spLocks noGrp="1"/>
+          </p:cNvSpPr>
+          <p:nvPr>
+            <p:ph type="title"/>
+          </p:nvPr>
+        </p:nvSpPr>
+        <p:spPr>
+          <a:xfrm>
+            <a:off x="457200" y="411475"/>
+            <a:ext cx="8229600" cy="481500"/>
+          </a:xfrm>
+          <a:prstGeom prst="rect">
+            <a:avLst/>
+          </a:prstGeom>
+        </p:spPr>
+        <p:txBody>
+          <a:bodyPr spcFirstLastPara="1" wrap="square" lIns="91425" tIns="91425" rIns="91425" bIns="91425" anchor="ctr" anchorCtr="0">
+            <a:noAutofit/>
+          </a:bodyPr>
+          <a:lstStyle/>
+          <a:p>
+            <a:pPr lvl="0"/>
+            <a:r>
+              <a:rPr lang="ko-KR" altLang="en-US" sz="2000" dirty="0" smtClean="0">
+                <a:solidFill>
+                  <a:schemeClr val="dk1"/>
+                </a:solidFill>
+                <a:latin typeface="HY헤드라인M" pitchFamily="18" charset="-127"/>
+                <a:ea typeface="HY헤드라인M" pitchFamily="18" charset="-127"/>
+              </a:rPr>
+              <a:t>선거 공약 데이터를 활용한 워드 </a:t>
+            </a:r>
+            <a:r>
+              <a:rPr lang="ko-KR" altLang="en-US" sz="2000" dirty="0" err="1" smtClean="0">
+                <a:solidFill>
+                  <a:schemeClr val="dk1"/>
+                </a:solidFill>
+                <a:latin typeface="HY헤드라인M" pitchFamily="18" charset="-127"/>
+                <a:ea typeface="HY헤드라인M" pitchFamily="18" charset="-127"/>
+              </a:rPr>
+              <a:t>클라우드</a:t>
+            </a:r>
+            <a:r>
+              <a:rPr lang="en-US" altLang="ko-KR" sz="2000" dirty="0" smtClean="0">
+                <a:solidFill>
+                  <a:schemeClr val="dk1"/>
+                </a:solidFill>
+                <a:latin typeface="HY헤드라인M" pitchFamily="18" charset="-127"/>
+                <a:ea typeface="HY헤드라인M" pitchFamily="18" charset="-127"/>
+              </a:rPr>
+              <a:t>2. </a:t>
+            </a:r>
+            <a:r>
+              <a:rPr lang="ko-KR" altLang="en-US" sz="2000" dirty="0" smtClean="0">
+                <a:solidFill>
+                  <a:schemeClr val="dk1"/>
+                </a:solidFill>
+                <a:latin typeface="HY헤드라인M" pitchFamily="18" charset="-127"/>
+                <a:ea typeface="HY헤드라인M" pitchFamily="18" charset="-127"/>
+              </a:rPr>
+              <a:t>출산율</a:t>
+            </a:r>
+            <a:endParaRPr sz="2000">
+              <a:solidFill>
+                <a:schemeClr val="dk1"/>
+              </a:solidFill>
+              <a:latin typeface="HY헤드라인M" pitchFamily="18" charset="-127"/>
+              <a:ea typeface="HY헤드라인M" pitchFamily="18" charset="-127"/>
+            </a:endParaRPr>
+          </a:p>
+        </p:txBody>
+      </p:sp>
+      <p:pic>
+        <p:nvPicPr>
+          <p:cNvPr id="8200" name="Picture 8" descr="C:\PythonWork\PycharmWork\ProjectTeam1\data\csv\gf_출산율_word_30.png"/>
+          <p:cNvPicPr>
+            <a:picLocks noChangeAspect="1" noChangeArrowheads="1"/>
+          </p:cNvPicPr>
+          <p:nvPr/>
+        </p:nvPicPr>
+        <p:blipFill>
+          <a:blip r:embed="rId3"/>
+          <a:srcRect/>
+          <a:stretch>
+            <a:fillRect/>
+          </a:stretch>
+        </p:blipFill>
+        <p:spPr bwMode="auto">
+          <a:xfrm>
+            <a:off x="4931596" y="1153916"/>
+            <a:ext cx="3600000" cy="3600000"/>
+          </a:xfrm>
+          <a:prstGeom prst="rect">
+            <a:avLst/>
+          </a:prstGeom>
+          <a:noFill/>
+        </p:spPr>
+      </p:pic>
+      <p:pic>
+        <p:nvPicPr>
+          <p:cNvPr id="8201" name="Picture 9" descr="C:\PythonWork\PycharmWork\ProjectTeam1\data\csv\gf_출산율_all_30.png"/>
+          <p:cNvPicPr>
+            <a:picLocks noChangeAspect="1" noChangeArrowheads="1"/>
+          </p:cNvPicPr>
+          <p:nvPr/>
+        </p:nvPicPr>
+        <p:blipFill>
+          <a:blip r:embed="rId4"/>
+          <a:srcRect/>
+          <a:stretch>
+            <a:fillRect/>
+          </a:stretch>
+        </p:blipFill>
+        <p:spPr bwMode="auto">
+          <a:xfrm>
+            <a:off x="493160" y="1143642"/>
+            <a:ext cx="3600000" cy="3600000"/>
+          </a:xfrm>
+          <a:prstGeom prst="rect">
+            <a:avLst/>
+          </a:prstGeom>
+          <a:noFill/>
+        </p:spPr>
+      </p:pic>
+    </p:spTree>
+  </p:cSld>
+  <p:clrMapOvr>
+    <a:masterClrMapping/>
+  </p:clrMapOvr>
+</p:sld>
+</file>
+
+<file path=ppt/slides/slide5.xml><?xml version="1.0" encoding="utf-8"?>
+<p:sld xmlns:a="http://schemas.openxmlformats.org/drawingml/2006/main" xmlns:r="http://schemas.openxmlformats.org/officeDocument/2006/relationships" xmlns:p="http://schemas.openxmlformats.org/presentationml/2006/main">
+  <p:cSld>
+    <p:spTree>
+      <p:nvGrpSpPr>
+        <p:cNvPr id="1" name="Shape 96"/>
+        <p:cNvGrpSpPr/>
+        <p:nvPr/>
+      </p:nvGrpSpPr>
+      <p:grpSpPr>
+        <a:xfrm>
+          <a:off x="0" y="0"/>
+          <a:ext cx="0" cy="0"/>
+          <a:chOff x="0" y="0"/>
+          <a:chExt cx="0" cy="0"/>
+        </a:xfrm>
+      </p:grpSpPr>
+      <p:sp>
+        <p:nvSpPr>
+          <p:cNvPr id="104" name="Google Shape;104;p16"/>
+          <p:cNvSpPr txBox="1">
+            <a:spLocks noGrp="1"/>
+          </p:cNvSpPr>
+          <p:nvPr>
+            <p:ph type="title"/>
+          </p:nvPr>
+        </p:nvSpPr>
+        <p:spPr>
+          <a:xfrm>
+            <a:off x="457200" y="411475"/>
+            <a:ext cx="8229600" cy="481500"/>
+          </a:xfrm>
+          <a:prstGeom prst="rect">
+            <a:avLst/>
+          </a:prstGeom>
+        </p:spPr>
+        <p:txBody>
+          <a:bodyPr spcFirstLastPara="1" wrap="square" lIns="91425" tIns="91425" rIns="91425" bIns="91425" anchor="ctr" anchorCtr="0">
+            <a:noAutofit/>
+          </a:bodyPr>
+          <a:lstStyle/>
+          <a:p>
+            <a:pPr lvl="0"/>
+            <a:r>
+              <a:rPr lang="ko-KR" altLang="en-US" sz="2000" dirty="0" smtClean="0">
+                <a:solidFill>
+                  <a:schemeClr val="dk1"/>
+                </a:solidFill>
+                <a:latin typeface="HY헤드라인M" pitchFamily="18" charset="-127"/>
+                <a:ea typeface="HY헤드라인M" pitchFamily="18" charset="-127"/>
+              </a:rPr>
+              <a:t>선거 공약 데이터를 활용한 워드 </a:t>
+            </a:r>
+            <a:r>
+              <a:rPr lang="ko-KR" altLang="en-US" sz="2000" dirty="0" err="1" smtClean="0">
+                <a:solidFill>
+                  <a:schemeClr val="dk1"/>
+                </a:solidFill>
+                <a:latin typeface="HY헤드라인M" pitchFamily="18" charset="-127"/>
+                <a:ea typeface="HY헤드라인M" pitchFamily="18" charset="-127"/>
+              </a:rPr>
+              <a:t>클라우드</a:t>
+            </a:r>
+            <a:r>
+              <a:rPr lang="en-US" altLang="ko-KR" sz="2000" dirty="0" smtClean="0">
+                <a:solidFill>
+                  <a:schemeClr val="dk1"/>
+                </a:solidFill>
+                <a:latin typeface="HY헤드라인M" pitchFamily="18" charset="-127"/>
+                <a:ea typeface="HY헤드라인M" pitchFamily="18" charset="-127"/>
+              </a:rPr>
+              <a:t>3. </a:t>
+            </a:r>
+            <a:r>
+              <a:rPr lang="ko-KR" altLang="en-US" sz="2000" dirty="0" smtClean="0">
+                <a:solidFill>
+                  <a:schemeClr val="dk1"/>
+                </a:solidFill>
+                <a:latin typeface="HY헤드라인M" pitchFamily="18" charset="-127"/>
+                <a:ea typeface="HY헤드라인M" pitchFamily="18" charset="-127"/>
+              </a:rPr>
+              <a:t>출산</a:t>
+            </a:r>
+            <a:endParaRPr sz="2000">
+              <a:solidFill>
+                <a:schemeClr val="dk1"/>
+              </a:solidFill>
+              <a:latin typeface="HY헤드라인M" pitchFamily="18" charset="-127"/>
+              <a:ea typeface="HY헤드라인M" pitchFamily="18" charset="-127"/>
+            </a:endParaRPr>
+          </a:p>
+        </p:txBody>
+      </p:sp>
+      <p:pic>
+        <p:nvPicPr>
+          <p:cNvPr id="6150" name="Picture 6" descr="C:\PythonWork\PycharmWork\ProjectTeam1\data\csv\출산_est_word.png"/>
+          <p:cNvPicPr>
+            <a:picLocks noChangeAspect="1" noChangeArrowheads="1"/>
+          </p:cNvPicPr>
+          <p:nvPr/>
+        </p:nvPicPr>
+        <p:blipFill>
+          <a:blip r:embed="rId3"/>
+          <a:srcRect/>
+          <a:stretch>
+            <a:fillRect/>
+          </a:stretch>
+        </p:blipFill>
+        <p:spPr bwMode="auto">
+          <a:xfrm>
+            <a:off x="4840895" y="1112659"/>
+            <a:ext cx="3909012" cy="3600000"/>
+          </a:xfrm>
+          <a:prstGeom prst="rect">
+            <a:avLst/>
+          </a:prstGeom>
+          <a:noFill/>
+        </p:spPr>
+      </p:pic>
+      <p:pic>
+        <p:nvPicPr>
+          <p:cNvPr id="6151" name="Picture 7" descr="C:\PythonWork\PycharmWork\ProjectTeam1\data\csv\출산_est_all.png"/>
+          <p:cNvPicPr>
+            <a:picLocks noChangeAspect="1" noChangeArrowheads="1"/>
+          </p:cNvPicPr>
+          <p:nvPr/>
+        </p:nvPicPr>
+        <p:blipFill>
+          <a:blip r:embed="rId4"/>
+          <a:srcRect/>
+          <a:stretch>
+            <a:fillRect/>
+          </a:stretch>
+        </p:blipFill>
+        <p:spPr bwMode="auto">
+          <a:xfrm>
+            <a:off x="638764" y="1102385"/>
+            <a:ext cx="3909012" cy="3600000"/>
+          </a:xfrm>
+          <a:prstGeom prst="rect">
+            <a:avLst/>
+          </a:prstGeom>
+          <a:noFill/>
+        </p:spPr>
+      </p:pic>
+    </p:spTree>
+  </p:cSld>
+  <p:clrMapOvr>
+    <a:masterClrMapping/>
+  </p:clrMapOvr>
+</p:sld>
+</file>
+
+<file path=ppt/slides/slide6.xml><?xml version="1.0" encoding="utf-8"?>
+<p:sld xmlns:a="http://schemas.openxmlformats.org/drawingml/2006/main" xmlns:r="http://schemas.openxmlformats.org/officeDocument/2006/relationships" xmlns:p="http://schemas.openxmlformats.org/presentationml/2006/main">
+  <p:cSld>
+    <p:spTree>
+      <p:nvGrpSpPr>
+        <p:cNvPr id="1" name="Shape 96"/>
+        <p:cNvGrpSpPr/>
+        <p:nvPr/>
+      </p:nvGrpSpPr>
+      <p:grpSpPr>
+        <a:xfrm>
+          <a:off x="0" y="0"/>
+          <a:ext cx="0" cy="0"/>
+          <a:chOff x="0" y="0"/>
+          <a:chExt cx="0" cy="0"/>
+        </a:xfrm>
+      </p:grpSpPr>
+      <p:sp>
+        <p:nvSpPr>
+          <p:cNvPr id="104" name="Google Shape;104;p16"/>
+          <p:cNvSpPr txBox="1">
+            <a:spLocks noGrp="1"/>
+          </p:cNvSpPr>
+          <p:nvPr>
+            <p:ph type="title"/>
+          </p:nvPr>
+        </p:nvSpPr>
+        <p:spPr>
+          <a:xfrm>
+            <a:off x="457200" y="411475"/>
+            <a:ext cx="8229600" cy="481500"/>
+          </a:xfrm>
+          <a:prstGeom prst="rect">
+            <a:avLst/>
+          </a:prstGeom>
+        </p:spPr>
+        <p:txBody>
+          <a:bodyPr spcFirstLastPara="1" wrap="square" lIns="91425" tIns="91425" rIns="91425" bIns="91425" anchor="ctr" anchorCtr="0">
+            <a:noAutofit/>
+          </a:bodyPr>
+          <a:lstStyle/>
+          <a:p>
+            <a:pPr lvl="0"/>
+            <a:r>
+              <a:rPr lang="ko-KR" altLang="en-US" sz="2000" dirty="0" smtClean="0">
+                <a:solidFill>
+                  <a:schemeClr val="dk1"/>
+                </a:solidFill>
+                <a:latin typeface="HY헤드라인M" pitchFamily="18" charset="-127"/>
+                <a:ea typeface="HY헤드라인M" pitchFamily="18" charset="-127"/>
+              </a:rPr>
+              <a:t>선거 공약 데이터를 활용한 워드 </a:t>
+            </a:r>
+            <a:r>
+              <a:rPr lang="ko-KR" altLang="en-US" sz="2000" dirty="0" err="1" smtClean="0">
+                <a:solidFill>
+                  <a:schemeClr val="dk1"/>
+                </a:solidFill>
+                <a:latin typeface="HY헤드라인M" pitchFamily="18" charset="-127"/>
+                <a:ea typeface="HY헤드라인M" pitchFamily="18" charset="-127"/>
+              </a:rPr>
+              <a:t>클라우드</a:t>
+            </a:r>
+            <a:r>
+              <a:rPr lang="en-US" altLang="ko-KR" sz="2000" dirty="0" smtClean="0">
+                <a:solidFill>
+                  <a:schemeClr val="dk1"/>
+                </a:solidFill>
+                <a:latin typeface="HY헤드라인M" pitchFamily="18" charset="-127"/>
+                <a:ea typeface="HY헤드라인M" pitchFamily="18" charset="-127"/>
+              </a:rPr>
+              <a:t>3. </a:t>
+            </a:r>
+            <a:r>
+              <a:rPr lang="ko-KR" altLang="en-US" sz="2000" dirty="0" smtClean="0">
+                <a:solidFill>
+                  <a:schemeClr val="dk1"/>
+                </a:solidFill>
+                <a:latin typeface="HY헤드라인M" pitchFamily="18" charset="-127"/>
+                <a:ea typeface="HY헤드라인M" pitchFamily="18" charset="-127"/>
+              </a:rPr>
+              <a:t>출산</a:t>
+            </a:r>
+            <a:endParaRPr sz="2000">
+              <a:solidFill>
+                <a:schemeClr val="dk1"/>
+              </a:solidFill>
+              <a:latin typeface="HY헤드라인M" pitchFamily="18" charset="-127"/>
+              <a:ea typeface="HY헤드라인M" pitchFamily="18" charset="-127"/>
+            </a:endParaRPr>
+          </a:p>
+        </p:txBody>
+      </p:sp>
+      <p:pic>
+        <p:nvPicPr>
+          <p:cNvPr id="9222" name="Picture 6" descr="C:\PythonWork\PycharmWork\ProjectTeam1\data\csv\gf_출산_word_30.png"/>
+          <p:cNvPicPr>
+            <a:picLocks noChangeAspect="1" noChangeArrowheads="1"/>
+          </p:cNvPicPr>
+          <p:nvPr/>
+        </p:nvPicPr>
+        <p:blipFill>
+          <a:blip r:embed="rId3"/>
+          <a:srcRect/>
+          <a:stretch>
+            <a:fillRect/>
+          </a:stretch>
+        </p:blipFill>
+        <p:spPr bwMode="auto">
+          <a:xfrm>
+            <a:off x="5054885" y="1133368"/>
+            <a:ext cx="3600000" cy="3600000"/>
+          </a:xfrm>
+          <a:prstGeom prst="rect">
+            <a:avLst/>
+          </a:prstGeom>
+          <a:noFill/>
+        </p:spPr>
+      </p:pic>
+      <p:pic>
+        <p:nvPicPr>
+          <p:cNvPr id="9223" name="Picture 7" descr="C:\PythonWork\PycharmWork\ProjectTeam1\data\csv\gf_출산_all_30.png"/>
+          <p:cNvPicPr>
+            <a:picLocks noChangeAspect="1" noChangeArrowheads="1"/>
+          </p:cNvPicPr>
+          <p:nvPr/>
+        </p:nvPicPr>
+        <p:blipFill>
+          <a:blip r:embed="rId4"/>
+          <a:srcRect/>
+          <a:stretch>
+            <a:fillRect/>
+          </a:stretch>
+        </p:blipFill>
+        <p:spPr bwMode="auto">
+          <a:xfrm>
+            <a:off x="770561" y="1133368"/>
+            <a:ext cx="3600000" cy="3600000"/>
+          </a:xfrm>
+          <a:prstGeom prst="rect">
+            <a:avLst/>
+          </a:prstGeom>
+          <a:noFill/>
+        </p:spPr>
+      </p:pic>
+    </p:spTree>
+  </p:cSld>
+  <p:clrMapOvr>
+    <a:masterClrMapping/>
+  </p:clrMapOvr>
+</p:sld>
+</file>
+
+<file path=ppt/slides/slide7.xml><?xml version="1.0" encoding="utf-8"?>
+<p:sld xmlns:a="http://schemas.openxmlformats.org/drawingml/2006/main" xmlns:r="http://schemas.openxmlformats.org/officeDocument/2006/relationships" xmlns:p="http://schemas.openxmlformats.org/presentationml/2006/main">
+  <p:cSld>
+    <p:spTree>
+      <p:nvGrpSpPr>
+        <p:cNvPr id="1" name="Shape 96"/>
+        <p:cNvGrpSpPr/>
+        <p:nvPr/>
+      </p:nvGrpSpPr>
+      <p:grpSpPr>
+        <a:xfrm>
+          <a:off x="0" y="0"/>
+          <a:ext cx="0" cy="0"/>
+          <a:chOff x="0" y="0"/>
+          <a:chExt cx="0" cy="0"/>
+        </a:xfrm>
+      </p:grpSpPr>
+      <p:sp>
+        <p:nvSpPr>
+          <p:cNvPr id="104" name="Google Shape;104;p16"/>
+          <p:cNvSpPr txBox="1">
+            <a:spLocks noGrp="1"/>
+          </p:cNvSpPr>
+          <p:nvPr>
+            <p:ph type="title"/>
+          </p:nvPr>
+        </p:nvSpPr>
+        <p:spPr>
+          <a:xfrm>
+            <a:off x="457200" y="411475"/>
+            <a:ext cx="8229600" cy="481500"/>
+          </a:xfrm>
+          <a:prstGeom prst="rect">
+            <a:avLst/>
+          </a:prstGeom>
+        </p:spPr>
+        <p:txBody>
+          <a:bodyPr spcFirstLastPara="1" wrap="square" lIns="91425" tIns="91425" rIns="91425" bIns="91425" anchor="ctr" anchorCtr="0">
+            <a:noAutofit/>
+          </a:bodyPr>
+          <a:lstStyle/>
+          <a:p>
+            <a:pPr lvl="0"/>
+            <a:r>
+              <a:rPr lang="ko-KR" altLang="en-US" sz="2000" dirty="0" smtClean="0">
+                <a:solidFill>
+                  <a:schemeClr val="dk1"/>
+                </a:solidFill>
+                <a:latin typeface="HY헤드라인M" pitchFamily="18" charset="-127"/>
+                <a:ea typeface="HY헤드라인M" pitchFamily="18" charset="-127"/>
+              </a:rPr>
+              <a:t>주제</a:t>
+            </a:r>
+            <a:r>
+              <a:rPr lang="en-US" altLang="ko-KR" sz="2000" dirty="0" smtClean="0">
+                <a:solidFill>
+                  <a:schemeClr val="dk1"/>
+                </a:solidFill>
+                <a:latin typeface="HY헤드라인M" pitchFamily="18" charset="-127"/>
+                <a:ea typeface="HY헤드라인M" pitchFamily="18" charset="-127"/>
+              </a:rPr>
+              <a:t>1.</a:t>
+            </a:r>
+            <a:r>
+              <a:rPr lang="ko-KR" altLang="en-US" sz="2000" dirty="0" smtClean="0">
+                <a:solidFill>
+                  <a:schemeClr val="dk1"/>
+                </a:solidFill>
+                <a:latin typeface="HY헤드라인M" pitchFamily="18" charset="-127"/>
+                <a:ea typeface="HY헤드라인M" pitchFamily="18" charset="-127"/>
+              </a:rPr>
+              <a:t> 공약으로 출산을 언급한 정치인의 </a:t>
+            </a:r>
+            <a:r>
+              <a:rPr lang="ko-KR" altLang="en-US" sz="2000" dirty="0" err="1" smtClean="0">
+                <a:solidFill>
+                  <a:schemeClr val="dk1"/>
+                </a:solidFill>
+                <a:latin typeface="HY헤드라인M" pitchFamily="18" charset="-127"/>
+                <a:ea typeface="HY헤드라인M" pitchFamily="18" charset="-127"/>
+              </a:rPr>
+              <a:t>당선율이</a:t>
+            </a:r>
+            <a:r>
+              <a:rPr lang="ko-KR" altLang="en-US" sz="2000" dirty="0" smtClean="0">
+                <a:solidFill>
+                  <a:schemeClr val="dk1"/>
+                </a:solidFill>
+                <a:latin typeface="HY헤드라인M" pitchFamily="18" charset="-127"/>
+                <a:ea typeface="HY헤드라인M" pitchFamily="18" charset="-127"/>
+              </a:rPr>
+              <a:t> 높을까</a:t>
+            </a:r>
+            <a:r>
+              <a:rPr lang="en-US" altLang="ko-KR" sz="2000" dirty="0" smtClean="0">
+                <a:solidFill>
+                  <a:schemeClr val="dk1"/>
+                </a:solidFill>
+                <a:latin typeface="HY헤드라인M" pitchFamily="18" charset="-127"/>
+                <a:ea typeface="HY헤드라인M" pitchFamily="18" charset="-127"/>
+              </a:rPr>
+              <a:t>? </a:t>
+            </a:r>
+            <a:endParaRPr sz="2000">
+              <a:solidFill>
+                <a:schemeClr val="dk1"/>
+              </a:solidFill>
+              <a:latin typeface="HY헤드라인M" pitchFamily="18" charset="-127"/>
+              <a:ea typeface="HY헤드라인M" pitchFamily="18" charset="-127"/>
+            </a:endParaRPr>
+          </a:p>
+        </p:txBody>
+      </p:sp>
+      <p:pic>
+        <p:nvPicPr>
+          <p:cNvPr id="1027" name="Picture 3" descr="C:\RWork\StatProject\선거 당선자들의 공약에서 출산 관련 내용이 포함되었는지 여부 파악.png"/>
+          <p:cNvPicPr>
+            <a:picLocks noChangeAspect="1" noChangeArrowheads="1"/>
+          </p:cNvPicPr>
+          <p:nvPr/>
+        </p:nvPicPr>
+        <p:blipFill>
+          <a:blip r:embed="rId3"/>
+          <a:srcRect/>
+          <a:stretch>
+            <a:fillRect/>
+          </a:stretch>
+        </p:blipFill>
+        <p:spPr bwMode="auto">
+          <a:xfrm>
+            <a:off x="783318" y="1509485"/>
+            <a:ext cx="3600000" cy="2880000"/>
+          </a:xfrm>
+          <a:prstGeom prst="rect">
+            <a:avLst/>
+          </a:prstGeom>
+          <a:noFill/>
+        </p:spPr>
+      </p:pic>
+      <p:pic>
+        <p:nvPicPr>
+          <p:cNvPr id="62" name="Picture 4" descr="C:\RWork\StatProject\선거 당선자들의 공약에서 출산 관련 내용이 포함되었는지 여부에 따라 당선율의 평균.png"/>
+          <p:cNvPicPr>
+            <a:picLocks noChangeAspect="1" noChangeArrowheads="1"/>
+          </p:cNvPicPr>
+          <p:nvPr/>
+        </p:nvPicPr>
+        <p:blipFill>
+          <a:blip r:embed="rId4"/>
+          <a:srcRect/>
+          <a:stretch>
+            <a:fillRect/>
+          </a:stretch>
+        </p:blipFill>
+        <p:spPr bwMode="auto">
+          <a:xfrm>
+            <a:off x="4848224" y="1448886"/>
+            <a:ext cx="3600000" cy="2880000"/>
+          </a:xfrm>
+          <a:prstGeom prst="rect">
+            <a:avLst/>
+          </a:prstGeom>
+          <a:noFill/>
+        </p:spPr>
+      </p:pic>
+    </p:spTree>
+  </p:cSld>
+  <p:clrMapOvr>
+    <a:masterClrMapping/>
+  </p:clrMapOvr>
+</p:sld>
+</file>
+
+<file path=ppt/slides/slide8.xml><?xml version="1.0" encoding="utf-8"?>
+<p:sld xmlns:a="http://schemas.openxmlformats.org/drawingml/2006/main" xmlns:r="http://schemas.openxmlformats.org/officeDocument/2006/relationships" xmlns:p="http://schemas.openxmlformats.org/presentationml/2006/main">
+  <p:cSld>
+    <p:spTree>
+      <p:nvGrpSpPr>
+        <p:cNvPr id="1" name="Shape 96"/>
+        <p:cNvGrpSpPr/>
+        <p:nvPr/>
+      </p:nvGrpSpPr>
+      <p:grpSpPr>
+        <a:xfrm>
+          <a:off x="0" y="0"/>
+          <a:ext cx="0" cy="0"/>
+          <a:chOff x="0" y="0"/>
+          <a:chExt cx="0" cy="0"/>
+        </a:xfrm>
+      </p:grpSpPr>
+      <p:sp>
+        <p:nvSpPr>
+          <p:cNvPr id="104" name="Google Shape;104;p16"/>
+          <p:cNvSpPr txBox="1">
+            <a:spLocks noGrp="1"/>
+          </p:cNvSpPr>
+          <p:nvPr>
+            <p:ph type="title"/>
+          </p:nvPr>
+        </p:nvSpPr>
+        <p:spPr>
+          <a:xfrm>
+            <a:off x="457200" y="411475"/>
+            <a:ext cx="8229600" cy="481500"/>
+          </a:xfrm>
+          <a:prstGeom prst="rect">
+            <a:avLst/>
+          </a:prstGeom>
+        </p:spPr>
+        <p:txBody>
+          <a:bodyPr spcFirstLastPara="1" wrap="square" lIns="91425" tIns="91425" rIns="91425" bIns="91425" anchor="ctr" anchorCtr="0">
+            <a:noAutofit/>
+          </a:bodyPr>
+          <a:lstStyle/>
+          <a:p>
+            <a:pPr lvl="0"/>
+            <a:r>
+              <a:rPr lang="ko-KR" altLang="en-US" sz="2000" dirty="0" smtClean="0">
+                <a:solidFill>
+                  <a:schemeClr val="dk1"/>
+                </a:solidFill>
+                <a:latin typeface="HY헤드라인M" pitchFamily="18" charset="-127"/>
+                <a:ea typeface="HY헤드라인M" pitchFamily="18" charset="-127"/>
+              </a:rPr>
+              <a:t>주제</a:t>
+            </a:r>
+            <a:r>
+              <a:rPr lang="en-US" altLang="ko-KR" sz="2000" dirty="0" smtClean="0">
+                <a:solidFill>
+                  <a:schemeClr val="dk1"/>
+                </a:solidFill>
+                <a:latin typeface="HY헤드라인M" pitchFamily="18" charset="-127"/>
+                <a:ea typeface="HY헤드라인M" pitchFamily="18" charset="-127"/>
+              </a:rPr>
+              <a:t>1.</a:t>
+            </a:r>
+            <a:r>
+              <a:rPr lang="ko-KR" altLang="en-US" sz="2000" dirty="0" smtClean="0">
+                <a:solidFill>
+                  <a:schemeClr val="dk1"/>
+                </a:solidFill>
+                <a:latin typeface="HY헤드라인M" pitchFamily="18" charset="-127"/>
+                <a:ea typeface="HY헤드라인M" pitchFamily="18" charset="-127"/>
+              </a:rPr>
+              <a:t> 공약으로 출산을 언급한 정치인의 </a:t>
+            </a:r>
+            <a:r>
+              <a:rPr lang="ko-KR" altLang="en-US" sz="2000" dirty="0" err="1" smtClean="0">
+                <a:solidFill>
+                  <a:schemeClr val="dk1"/>
+                </a:solidFill>
+                <a:latin typeface="HY헤드라인M" pitchFamily="18" charset="-127"/>
+                <a:ea typeface="HY헤드라인M" pitchFamily="18" charset="-127"/>
+              </a:rPr>
+              <a:t>당선율이</a:t>
+            </a:r>
+            <a:r>
+              <a:rPr lang="ko-KR" altLang="en-US" sz="2000" dirty="0" smtClean="0">
+                <a:solidFill>
+                  <a:schemeClr val="dk1"/>
+                </a:solidFill>
+                <a:latin typeface="HY헤드라인M" pitchFamily="18" charset="-127"/>
+                <a:ea typeface="HY헤드라인M" pitchFamily="18" charset="-127"/>
+              </a:rPr>
+              <a:t> 높을까</a:t>
+            </a:r>
+            <a:r>
+              <a:rPr lang="en-US" altLang="ko-KR" sz="2000" dirty="0" smtClean="0">
+                <a:solidFill>
+                  <a:schemeClr val="dk1"/>
+                </a:solidFill>
+                <a:latin typeface="HY헤드라인M" pitchFamily="18" charset="-127"/>
+                <a:ea typeface="HY헤드라인M" pitchFamily="18" charset="-127"/>
+              </a:rPr>
+              <a:t>? </a:t>
+            </a:r>
+            <a:endParaRPr sz="2000">
+              <a:solidFill>
+                <a:schemeClr val="dk1"/>
+              </a:solidFill>
+              <a:latin typeface="HY헤드라인M" pitchFamily="18" charset="-127"/>
+              <a:ea typeface="HY헤드라인M" pitchFamily="18" charset="-127"/>
+            </a:endParaRPr>
+          </a:p>
+        </p:txBody>
+      </p:sp>
+      <p:pic>
+        <p:nvPicPr>
+          <p:cNvPr id="3074" name="Picture 2"/>
+          <p:cNvPicPr>
+            <a:picLocks noChangeAspect="1" noChangeArrowheads="1"/>
+          </p:cNvPicPr>
+          <p:nvPr/>
+        </p:nvPicPr>
+        <p:blipFill>
+          <a:blip r:embed="rId3"/>
+          <a:srcRect t="30725" r="42327"/>
+          <a:stretch>
+            <a:fillRect/>
+          </a:stretch>
+        </p:blipFill>
+        <p:spPr bwMode="auto">
+          <a:xfrm>
+            <a:off x="4309383" y="1480456"/>
+            <a:ext cx="4587875" cy="415699"/>
+          </a:xfrm>
+          <a:prstGeom prst="rect">
+            <a:avLst/>
+          </a:prstGeom>
+          <a:noFill/>
+          <a:ln w="9525">
+            <a:noFill/>
+            <a:miter lim="800000"/>
+            <a:headEnd/>
+            <a:tailEnd/>
+          </a:ln>
+          <a:effectLst/>
+        </p:spPr>
+      </p:pic>
+      <p:pic>
+        <p:nvPicPr>
+          <p:cNvPr id="3076" name="Picture 4"/>
+          <p:cNvPicPr>
+            <a:picLocks noChangeAspect="1" noChangeArrowheads="1"/>
+          </p:cNvPicPr>
+          <p:nvPr/>
+        </p:nvPicPr>
+        <p:blipFill>
+          <a:blip r:embed="rId4"/>
+          <a:srcRect/>
+          <a:stretch>
+            <a:fillRect/>
+          </a:stretch>
+        </p:blipFill>
+        <p:spPr bwMode="auto">
+          <a:xfrm>
+            <a:off x="5133521" y="2246540"/>
+            <a:ext cx="3086100" cy="876300"/>
+          </a:xfrm>
+          <a:prstGeom prst="rect">
+            <a:avLst/>
+          </a:prstGeom>
+          <a:noFill/>
+          <a:ln w="9525">
+            <a:noFill/>
+            <a:miter lim="800000"/>
+            <a:headEnd/>
+            <a:tailEnd/>
+          </a:ln>
+          <a:effectLst/>
+        </p:spPr>
+      </p:pic>
+      <p:pic>
+        <p:nvPicPr>
+          <p:cNvPr id="3077" name="Picture 5"/>
+          <p:cNvPicPr>
+            <a:picLocks noChangeAspect="1" noChangeArrowheads="1"/>
+          </p:cNvPicPr>
+          <p:nvPr/>
+        </p:nvPicPr>
+        <p:blipFill>
+          <a:blip r:embed="rId5"/>
+          <a:srcRect/>
+          <a:stretch>
+            <a:fillRect/>
+          </a:stretch>
+        </p:blipFill>
+        <p:spPr bwMode="auto">
+          <a:xfrm>
+            <a:off x="5167087" y="3460070"/>
+            <a:ext cx="3048000" cy="771525"/>
+          </a:xfrm>
+          <a:prstGeom prst="rect">
+            <a:avLst/>
+          </a:prstGeom>
+          <a:noFill/>
+          <a:ln w="9525">
+            <a:noFill/>
+            <a:miter lim="800000"/>
+            <a:headEnd/>
+            <a:tailEnd/>
+          </a:ln>
+          <a:effectLst/>
+        </p:spPr>
+      </p:pic>
+      <p:pic>
+        <p:nvPicPr>
+          <p:cNvPr id="9" name="Picture 5" descr="C:\RWork\StatProject\Distribution of 'dugyul' by 'isTopic'.png"/>
+          <p:cNvPicPr>
+            <a:picLocks noChangeAspect="1" noChangeArrowheads="1"/>
+          </p:cNvPicPr>
+          <p:nvPr/>
+        </p:nvPicPr>
+        <p:blipFill>
+          <a:blip r:embed="rId6"/>
+          <a:srcRect/>
+          <a:stretch>
+            <a:fillRect/>
+          </a:stretch>
+        </p:blipFill>
+        <p:spPr bwMode="auto">
+          <a:xfrm>
+            <a:off x="785361" y="1402445"/>
+            <a:ext cx="3235098" cy="3235099"/>
+          </a:xfrm>
+          <a:prstGeom prst="rect">
+            <a:avLst/>
+          </a:prstGeom>
+          <a:noFill/>
+        </p:spPr>
+      </p:pic>
+      <p:sp>
+        <p:nvSpPr>
+          <p:cNvPr id="10" name="TextBox 9"/>
+          <p:cNvSpPr txBox="1"/>
+          <p:nvPr/>
+        </p:nvSpPr>
+        <p:spPr>
+          <a:xfrm>
+            <a:off x="729465" y="1047964"/>
+            <a:ext cx="1311578" cy="307777"/>
+          </a:xfrm>
+          <a:prstGeom prst="rect">
+            <a:avLst/>
+          </a:prstGeom>
+          <a:noFill/>
+        </p:spPr>
+        <p:txBody>
+          <a:bodyPr wrap="none" rtlCol="0">
+            <a:spAutoFit/>
+          </a:bodyPr>
+          <a:lstStyle/>
+          <a:p>
+            <a:r>
+              <a:rPr lang="ko-KR" altLang="en-US" smtClean="0"/>
+              <a:t>정규분포 확인</a:t>
+            </a:r>
+            <a:endParaRPr lang="ko-KR" altLang="en-US"/>
+          </a:p>
+        </p:txBody>
+      </p:sp>
+    </p:spTree>
+  </p:cSld>
+  <p:clrMapOvr>
+    <a:masterClrMapping/>
+  </p:clrMapOvr>
+</p:sld>
+</file>
+
+<file path=ppt/slides/slide9.xml><?xml version="1.0" encoding="utf-8"?>
+<p:sld xmlns:a="http://schemas.openxmlformats.org/drawingml/2006/main" xmlns:r="http://schemas.openxmlformats.org/officeDocument/2006/relationships" xmlns:p="http://schemas.openxmlformats.org/presentationml/2006/main">
+  <p:cSld>
+    <p:spTree>
+      <p:nvGrpSpPr>
+        <p:cNvPr id="1" name="Shape 96"/>
+        <p:cNvGrpSpPr/>
+        <p:nvPr/>
+      </p:nvGrpSpPr>
+      <p:grpSpPr>
+        <a:xfrm>
+          <a:off x="0" y="0"/>
+          <a:ext cx="0" cy="0"/>
+          <a:chOff x="0" y="0"/>
+          <a:chExt cx="0" cy="0"/>
+        </a:xfrm>
+      </p:grpSpPr>
+      <p:sp>
+        <p:nvSpPr>
+          <p:cNvPr id="104" name="Google Shape;104;p16"/>
+          <p:cNvSpPr txBox="1">
+            <a:spLocks noGrp="1"/>
+          </p:cNvSpPr>
+          <p:nvPr>
+            <p:ph type="title"/>
+          </p:nvPr>
+        </p:nvSpPr>
+        <p:spPr>
+          <a:xfrm>
+            <a:off x="457200" y="411475"/>
+            <a:ext cx="8229600" cy="481500"/>
+          </a:xfrm>
+          <a:prstGeom prst="rect">
+            <a:avLst/>
+          </a:prstGeom>
+        </p:spPr>
+        <p:txBody>
+          <a:bodyPr spcFirstLastPara="1" wrap="square" lIns="91425" tIns="91425" rIns="91425" bIns="91425" anchor="ctr" anchorCtr="0">
+            <a:noAutofit/>
+          </a:bodyPr>
+          <a:lstStyle/>
+          <a:p>
+            <a:pPr lvl="0"/>
+            <a:r>
+              <a:rPr lang="ko-KR" altLang="en-US" sz="2000" dirty="0" smtClean="0">
+                <a:solidFill>
+                  <a:schemeClr val="dk1"/>
+                </a:solidFill>
+                <a:latin typeface="HY헤드라인M" pitchFamily="18" charset="-127"/>
+                <a:ea typeface="HY헤드라인M" pitchFamily="18" charset="-127"/>
+              </a:rPr>
+              <a:t>주제</a:t>
+            </a:r>
+            <a:r>
+              <a:rPr lang="en-US" altLang="ko-KR" sz="2000" dirty="0" smtClean="0">
+                <a:solidFill>
+                  <a:schemeClr val="dk1"/>
+                </a:solidFill>
+                <a:latin typeface="HY헤드라인M" pitchFamily="18" charset="-127"/>
+                <a:ea typeface="HY헤드라인M" pitchFamily="18" charset="-127"/>
+              </a:rPr>
+              <a:t>1.</a:t>
+            </a:r>
+            <a:r>
+              <a:rPr lang="ko-KR" altLang="en-US" sz="2000" dirty="0" smtClean="0">
+                <a:solidFill>
+                  <a:schemeClr val="dk1"/>
+                </a:solidFill>
+                <a:latin typeface="HY헤드라인M" pitchFamily="18" charset="-127"/>
+                <a:ea typeface="HY헤드라인M" pitchFamily="18" charset="-127"/>
+              </a:rPr>
+              <a:t> 공약으로 출산을 언급한 정치인의 </a:t>
+            </a:r>
+            <a:r>
+              <a:rPr lang="ko-KR" altLang="en-US" sz="2000" dirty="0" err="1" smtClean="0">
+                <a:solidFill>
+                  <a:schemeClr val="dk1"/>
+                </a:solidFill>
+                <a:latin typeface="HY헤드라인M" pitchFamily="18" charset="-127"/>
+                <a:ea typeface="HY헤드라인M" pitchFamily="18" charset="-127"/>
+              </a:rPr>
+              <a:t>당선율이</a:t>
+            </a:r>
+            <a:r>
+              <a:rPr lang="ko-KR" altLang="en-US" sz="2000" dirty="0" smtClean="0">
+                <a:solidFill>
+                  <a:schemeClr val="dk1"/>
+                </a:solidFill>
+                <a:latin typeface="HY헤드라인M" pitchFamily="18" charset="-127"/>
+                <a:ea typeface="HY헤드라인M" pitchFamily="18" charset="-127"/>
+              </a:rPr>
+              <a:t> 높을까</a:t>
+            </a:r>
+            <a:r>
+              <a:rPr lang="en-US" altLang="ko-KR" sz="2000" dirty="0" smtClean="0">
+                <a:solidFill>
+                  <a:schemeClr val="dk1"/>
+                </a:solidFill>
+                <a:latin typeface="HY헤드라인M" pitchFamily="18" charset="-127"/>
+                <a:ea typeface="HY헤드라인M" pitchFamily="18" charset="-127"/>
+              </a:rPr>
+              <a:t>? </a:t>
+            </a:r>
+            <a:endParaRPr sz="2000">
+              <a:solidFill>
+                <a:schemeClr val="dk1"/>
+              </a:solidFill>
+              <a:latin typeface="HY헤드라인M" pitchFamily="18" charset="-127"/>
+              <a:ea typeface="HY헤드라인M" pitchFamily="18" charset="-127"/>
+            </a:endParaRPr>
+          </a:p>
+        </p:txBody>
+      </p:sp>
+      <p:pic>
+        <p:nvPicPr>
+          <p:cNvPr id="4101" name="Picture 5"/>
+          <p:cNvPicPr>
+            <a:picLocks noChangeAspect="1" noChangeArrowheads="1"/>
+          </p:cNvPicPr>
+          <p:nvPr/>
+        </p:nvPicPr>
+        <p:blipFill>
+          <a:blip r:embed="rId3"/>
+          <a:srcRect/>
+          <a:stretch>
+            <a:fillRect/>
+          </a:stretch>
+        </p:blipFill>
+        <p:spPr bwMode="auto">
+          <a:xfrm>
+            <a:off x="361408" y="1456985"/>
+            <a:ext cx="2714625" cy="476250"/>
+          </a:xfrm>
+          <a:prstGeom prst="rect">
+            <a:avLst/>
+          </a:prstGeom>
+          <a:noFill/>
+          <a:ln w="9525">
+            <a:noFill/>
+            <a:miter lim="800000"/>
+            <a:headEnd/>
+            <a:tailEnd/>
+          </a:ln>
+          <a:effectLst/>
+        </p:spPr>
+      </p:pic>
+      <p:pic>
+        <p:nvPicPr>
+          <p:cNvPr id="4102" name="Picture 6"/>
+          <p:cNvPicPr>
+            <a:picLocks noChangeAspect="1" noChangeArrowheads="1"/>
+          </p:cNvPicPr>
+          <p:nvPr/>
+        </p:nvPicPr>
+        <p:blipFill>
+          <a:blip r:embed="rId4">
+            <a:lum contrast="-50000"/>
+          </a:blip>
+          <a:srcRect/>
+          <a:stretch>
+            <a:fillRect/>
+          </a:stretch>
+        </p:blipFill>
+        <p:spPr bwMode="auto">
+          <a:xfrm>
+            <a:off x="3387409" y="1422058"/>
+            <a:ext cx="5457825" cy="952500"/>
+          </a:xfrm>
+          <a:prstGeom prst="rect">
+            <a:avLst/>
+          </a:prstGeom>
+          <a:noFill/>
+          <a:ln w="9525">
+            <a:noFill/>
+            <a:miter lim="800000"/>
+            <a:headEnd/>
+            <a:tailEnd/>
+          </a:ln>
+          <a:effectLst/>
+        </p:spPr>
+      </p:pic>
+      <p:pic>
+        <p:nvPicPr>
+          <p:cNvPr id="15" name="Picture 6"/>
+          <p:cNvPicPr>
+            <a:picLocks noChangeAspect="1" noChangeArrowheads="1"/>
+          </p:cNvPicPr>
+          <p:nvPr/>
+        </p:nvPicPr>
+        <p:blipFill>
+          <a:blip r:embed="rId4"/>
+          <a:srcRect l="15566" t="50810" r="55979" b="29381"/>
+          <a:stretch>
+            <a:fillRect/>
+          </a:stretch>
+        </p:blipFill>
+        <p:spPr bwMode="auto">
+          <a:xfrm>
+            <a:off x="3982949" y="1855222"/>
+            <a:ext cx="2160000" cy="262430"/>
+          </a:xfrm>
+          <a:prstGeom prst="rect">
+            <a:avLst/>
+          </a:prstGeom>
+          <a:noFill/>
+          <a:ln w="9525">
+            <a:solidFill>
+              <a:srgbClr val="C00000"/>
+            </a:solidFill>
+            <a:miter lim="800000"/>
+            <a:headEnd/>
+            <a:tailEnd/>
+          </a:ln>
+          <a:effectLst/>
+        </p:spPr>
+      </p:pic>
+      <p:sp>
+        <p:nvSpPr>
+          <p:cNvPr id="18" name="TextBox 17"/>
+          <p:cNvSpPr txBox="1"/>
+          <p:nvPr/>
+        </p:nvSpPr>
+        <p:spPr>
+          <a:xfrm>
+            <a:off x="729465" y="1047964"/>
+            <a:ext cx="2079415" cy="307777"/>
+          </a:xfrm>
+          <a:prstGeom prst="rect">
+            <a:avLst/>
+          </a:prstGeom>
+          <a:noFill/>
+        </p:spPr>
+        <p:txBody>
+          <a:bodyPr wrap="none" rtlCol="0">
+            <a:spAutoFit/>
+          </a:bodyPr>
+          <a:lstStyle/>
+          <a:p>
+            <a:r>
+              <a:rPr lang="ko-KR" altLang="en-US" dirty="0" smtClean="0"/>
+              <a:t>정규분포를 따르지 않음</a:t>
             </a:r>
             <a:endParaRPr lang="en-US" altLang="ko-KR" dirty="0" smtClean="0"/>
           </a:p>
